--- a/Presentations/DD presentation.pptx
+++ b/Presentations/DD presentation.pptx
@@ -21,24 +21,24 @@
     <p:sldId id="269" r:id="rId12"/>
     <p:sldId id="301" r:id="rId13"/>
     <p:sldId id="302" r:id="rId14"/>
-    <p:sldId id="304" r:id="rId15"/>
-    <p:sldId id="305" r:id="rId16"/>
-    <p:sldId id="310" r:id="rId17"/>
-    <p:sldId id="306" r:id="rId18"/>
-    <p:sldId id="309" r:id="rId19"/>
-    <p:sldId id="307" r:id="rId20"/>
-    <p:sldId id="308" r:id="rId21"/>
-    <p:sldId id="270" r:id="rId22"/>
-    <p:sldId id="272" r:id="rId23"/>
-    <p:sldId id="273" r:id="rId24"/>
-    <p:sldId id="275" r:id="rId25"/>
-    <p:sldId id="276" r:id="rId26"/>
-    <p:sldId id="277" r:id="rId27"/>
-    <p:sldId id="278" r:id="rId28"/>
-    <p:sldId id="279" r:id="rId29"/>
-    <p:sldId id="280" r:id="rId30"/>
-    <p:sldId id="281" r:id="rId31"/>
-    <p:sldId id="282" r:id="rId32"/>
+    <p:sldId id="270" r:id="rId15"/>
+    <p:sldId id="272" r:id="rId16"/>
+    <p:sldId id="273" r:id="rId17"/>
+    <p:sldId id="275" r:id="rId18"/>
+    <p:sldId id="276" r:id="rId19"/>
+    <p:sldId id="277" r:id="rId20"/>
+    <p:sldId id="278" r:id="rId21"/>
+    <p:sldId id="279" r:id="rId22"/>
+    <p:sldId id="280" r:id="rId23"/>
+    <p:sldId id="281" r:id="rId24"/>
+    <p:sldId id="282" r:id="rId25"/>
+    <p:sldId id="303" r:id="rId26"/>
+    <p:sldId id="304" r:id="rId27"/>
+    <p:sldId id="305" r:id="rId28"/>
+    <p:sldId id="306" r:id="rId29"/>
+    <p:sldId id="307" r:id="rId30"/>
+    <p:sldId id="308" r:id="rId31"/>
+    <p:sldId id="309" r:id="rId32"/>
     <p:sldId id="290" r:id="rId33"/>
     <p:sldId id="291" r:id="rId34"/>
     <p:sldId id="292" r:id="rId35"/>
@@ -166,13 +166,6 @@
             <p14:sldId id="269"/>
             <p14:sldId id="301"/>
             <p14:sldId id="302"/>
-            <p14:sldId id="304"/>
-            <p14:sldId id="305"/>
-            <p14:sldId id="310"/>
-            <p14:sldId id="306"/>
-            <p14:sldId id="309"/>
-            <p14:sldId id="307"/>
-            <p14:sldId id="308"/>
             <p14:sldId id="270"/>
             <p14:sldId id="272"/>
             <p14:sldId id="273"/>
@@ -184,6 +177,13 @@
             <p14:sldId id="280"/>
             <p14:sldId id="281"/>
             <p14:sldId id="282"/>
+            <p14:sldId id="303"/>
+            <p14:sldId id="304"/>
+            <p14:sldId id="305"/>
+            <p14:sldId id="306"/>
+            <p14:sldId id="307"/>
+            <p14:sldId id="308"/>
+            <p14:sldId id="309"/>
             <p14:sldId id="290"/>
             <p14:sldId id="291"/>
             <p14:sldId id="292"/>
@@ -300,7 +300,7 @@
           <a:p>
             <a:fld id="{C0ADE779-3473-4330-9C8B-16469AFCD8FB}" type="datetimeFigureOut">
               <a:rPr lang="en-GB" smtClean="0"/>
-              <a:t>25/02/2016</a:t>
+              <a:t>28/02/2016</a:t>
             </a:fld>
             <a:endParaRPr lang="en-GB"/>
           </a:p>
@@ -894,7 +894,7 @@
     </p:spTree>
     <p:extLst>
       <p:ext uri="{BB962C8B-B14F-4D97-AF65-F5344CB8AC3E}">
-        <p14:creationId xmlns:p14="http://schemas.microsoft.com/office/powerpoint/2010/main" val="2673786014"/>
+        <p14:creationId xmlns:p14="http://schemas.microsoft.com/office/powerpoint/2010/main" val="3387545243"/>
       </p:ext>
     </p:extLst>
   </p:cSld>
@@ -978,7 +978,7 @@
     </p:spTree>
     <p:extLst>
       <p:ext uri="{BB962C8B-B14F-4D97-AF65-F5344CB8AC3E}">
-        <p14:creationId xmlns:p14="http://schemas.microsoft.com/office/powerpoint/2010/main" val="791834131"/>
+        <p14:creationId xmlns:p14="http://schemas.microsoft.com/office/powerpoint/2010/main" val="531780877"/>
       </p:ext>
     </p:extLst>
   </p:cSld>
@@ -1062,7 +1062,7 @@
     </p:spTree>
     <p:extLst>
       <p:ext uri="{BB962C8B-B14F-4D97-AF65-F5344CB8AC3E}">
-        <p14:creationId xmlns:p14="http://schemas.microsoft.com/office/powerpoint/2010/main" val="2704263097"/>
+        <p14:creationId xmlns:p14="http://schemas.microsoft.com/office/powerpoint/2010/main" val="3796315055"/>
       </p:ext>
     </p:extLst>
   </p:cSld>
@@ -1146,7 +1146,7 @@
     </p:spTree>
     <p:extLst>
       <p:ext uri="{BB962C8B-B14F-4D97-AF65-F5344CB8AC3E}">
-        <p14:creationId xmlns:p14="http://schemas.microsoft.com/office/powerpoint/2010/main" val="3608178836"/>
+        <p14:creationId xmlns:p14="http://schemas.microsoft.com/office/powerpoint/2010/main" val="2237702317"/>
       </p:ext>
     </p:extLst>
   </p:cSld>
@@ -1230,7 +1230,7 @@
     </p:spTree>
     <p:extLst>
       <p:ext uri="{BB962C8B-B14F-4D97-AF65-F5344CB8AC3E}">
-        <p14:creationId xmlns:p14="http://schemas.microsoft.com/office/powerpoint/2010/main" val="3351943608"/>
+        <p14:creationId xmlns:p14="http://schemas.microsoft.com/office/powerpoint/2010/main" val="3889805800"/>
       </p:ext>
     </p:extLst>
   </p:cSld>
@@ -1314,7 +1314,7 @@
     </p:spTree>
     <p:extLst>
       <p:ext uri="{BB962C8B-B14F-4D97-AF65-F5344CB8AC3E}">
-        <p14:creationId xmlns:p14="http://schemas.microsoft.com/office/powerpoint/2010/main" val="3984196892"/>
+        <p14:creationId xmlns:p14="http://schemas.microsoft.com/office/powerpoint/2010/main" val="2791957342"/>
       </p:ext>
     </p:extLst>
   </p:cSld>
@@ -1398,7 +1398,7 @@
     </p:spTree>
     <p:extLst>
       <p:ext uri="{BB962C8B-B14F-4D97-AF65-F5344CB8AC3E}">
-        <p14:creationId xmlns:p14="http://schemas.microsoft.com/office/powerpoint/2010/main" val="1498491295"/>
+        <p14:creationId xmlns:p14="http://schemas.microsoft.com/office/powerpoint/2010/main" val="1053165206"/>
       </p:ext>
     </p:extLst>
   </p:cSld>
@@ -1482,7 +1482,7 @@
     </p:spTree>
     <p:extLst>
       <p:ext uri="{BB962C8B-B14F-4D97-AF65-F5344CB8AC3E}">
-        <p14:creationId xmlns:p14="http://schemas.microsoft.com/office/powerpoint/2010/main" val="3387545243"/>
+        <p14:creationId xmlns:p14="http://schemas.microsoft.com/office/powerpoint/2010/main" val="2971974070"/>
       </p:ext>
     </p:extLst>
   </p:cSld>
@@ -1650,7 +1650,7 @@
     </p:spTree>
     <p:extLst>
       <p:ext uri="{BB962C8B-B14F-4D97-AF65-F5344CB8AC3E}">
-        <p14:creationId xmlns:p14="http://schemas.microsoft.com/office/powerpoint/2010/main" val="531780877"/>
+        <p14:creationId xmlns:p14="http://schemas.microsoft.com/office/powerpoint/2010/main" val="878751698"/>
       </p:ext>
     </p:extLst>
   </p:cSld>
@@ -1734,7 +1734,7 @@
     </p:spTree>
     <p:extLst>
       <p:ext uri="{BB962C8B-B14F-4D97-AF65-F5344CB8AC3E}">
-        <p14:creationId xmlns:p14="http://schemas.microsoft.com/office/powerpoint/2010/main" val="3796315055"/>
+        <p14:creationId xmlns:p14="http://schemas.microsoft.com/office/powerpoint/2010/main" val="2830805974"/>
       </p:ext>
     </p:extLst>
   </p:cSld>
@@ -1818,7 +1818,7 @@
     </p:spTree>
     <p:extLst>
       <p:ext uri="{BB962C8B-B14F-4D97-AF65-F5344CB8AC3E}">
-        <p14:creationId xmlns:p14="http://schemas.microsoft.com/office/powerpoint/2010/main" val="2237702317"/>
+        <p14:creationId xmlns:p14="http://schemas.microsoft.com/office/powerpoint/2010/main" val="3848356764"/>
       </p:ext>
     </p:extLst>
   </p:cSld>
@@ -1902,7 +1902,7 @@
     </p:spTree>
     <p:extLst>
       <p:ext uri="{BB962C8B-B14F-4D97-AF65-F5344CB8AC3E}">
-        <p14:creationId xmlns:p14="http://schemas.microsoft.com/office/powerpoint/2010/main" val="3889805800"/>
+        <p14:creationId xmlns:p14="http://schemas.microsoft.com/office/powerpoint/2010/main" val="2587554499"/>
       </p:ext>
     </p:extLst>
   </p:cSld>
@@ -1986,7 +1986,7 @@
     </p:spTree>
     <p:extLst>
       <p:ext uri="{BB962C8B-B14F-4D97-AF65-F5344CB8AC3E}">
-        <p14:creationId xmlns:p14="http://schemas.microsoft.com/office/powerpoint/2010/main" val="2791957342"/>
+        <p14:creationId xmlns:p14="http://schemas.microsoft.com/office/powerpoint/2010/main" val="2130111460"/>
       </p:ext>
     </p:extLst>
   </p:cSld>
@@ -2070,7 +2070,7 @@
     </p:spTree>
     <p:extLst>
       <p:ext uri="{BB962C8B-B14F-4D97-AF65-F5344CB8AC3E}">
-        <p14:creationId xmlns:p14="http://schemas.microsoft.com/office/powerpoint/2010/main" val="1053165206"/>
+        <p14:creationId xmlns:p14="http://schemas.microsoft.com/office/powerpoint/2010/main" val="1267454056"/>
       </p:ext>
     </p:extLst>
   </p:cSld>
@@ -2154,7 +2154,7 @@
     </p:spTree>
     <p:extLst>
       <p:ext uri="{BB962C8B-B14F-4D97-AF65-F5344CB8AC3E}">
-        <p14:creationId xmlns:p14="http://schemas.microsoft.com/office/powerpoint/2010/main" val="2971974070"/>
+        <p14:creationId xmlns:p14="http://schemas.microsoft.com/office/powerpoint/2010/main" val="2955701178"/>
       </p:ext>
     </p:extLst>
   </p:cSld>
@@ -2238,7 +2238,7 @@
     </p:spTree>
     <p:extLst>
       <p:ext uri="{BB962C8B-B14F-4D97-AF65-F5344CB8AC3E}">
-        <p14:creationId xmlns:p14="http://schemas.microsoft.com/office/powerpoint/2010/main" val="878751698"/>
+        <p14:creationId xmlns:p14="http://schemas.microsoft.com/office/powerpoint/2010/main" val="1328139399"/>
       </p:ext>
     </p:extLst>
   </p:cSld>
@@ -2322,7 +2322,7 @@
     </p:spTree>
     <p:extLst>
       <p:ext uri="{BB962C8B-B14F-4D97-AF65-F5344CB8AC3E}">
-        <p14:creationId xmlns:p14="http://schemas.microsoft.com/office/powerpoint/2010/main" val="2830805974"/>
+        <p14:creationId xmlns:p14="http://schemas.microsoft.com/office/powerpoint/2010/main" val="3375936434"/>
       </p:ext>
     </p:extLst>
   </p:cSld>
@@ -2406,7 +2406,7 @@
     </p:spTree>
     <p:extLst>
       <p:ext uri="{BB962C8B-B14F-4D97-AF65-F5344CB8AC3E}">
-        <p14:creationId xmlns:p14="http://schemas.microsoft.com/office/powerpoint/2010/main" val="3848356764"/>
+        <p14:creationId xmlns:p14="http://schemas.microsoft.com/office/powerpoint/2010/main" val="2563209682"/>
       </p:ext>
     </p:extLst>
   </p:cSld>
@@ -4059,7 +4059,7 @@
           <a:p>
             <a:fld id="{18D8BD03-F13A-452C-9B0A-3549829CB887}" type="datetimeFigureOut">
               <a:rPr lang="it-IT" smtClean="0"/>
-              <a:t>25/02/2016</a:t>
+              <a:t>28/02/2016</a:t>
             </a:fld>
             <a:endParaRPr lang="it-IT"/>
           </a:p>
@@ -4229,7 +4229,7 @@
           <a:p>
             <a:fld id="{18D8BD03-F13A-452C-9B0A-3549829CB887}" type="datetimeFigureOut">
               <a:rPr lang="it-IT" smtClean="0"/>
-              <a:t>25/02/2016</a:t>
+              <a:t>28/02/2016</a:t>
             </a:fld>
             <a:endParaRPr lang="it-IT"/>
           </a:p>
@@ -4409,7 +4409,7 @@
           <a:p>
             <a:fld id="{18D8BD03-F13A-452C-9B0A-3549829CB887}" type="datetimeFigureOut">
               <a:rPr lang="it-IT" smtClean="0"/>
-              <a:t>25/02/2016</a:t>
+              <a:t>28/02/2016</a:t>
             </a:fld>
             <a:endParaRPr lang="it-IT"/>
           </a:p>
@@ -4579,7 +4579,7 @@
           <a:p>
             <a:fld id="{18D8BD03-F13A-452C-9B0A-3549829CB887}" type="datetimeFigureOut">
               <a:rPr lang="it-IT" smtClean="0"/>
-              <a:t>25/02/2016</a:t>
+              <a:t>28/02/2016</a:t>
             </a:fld>
             <a:endParaRPr lang="it-IT"/>
           </a:p>
@@ -4825,7 +4825,7 @@
           <a:p>
             <a:fld id="{18D8BD03-F13A-452C-9B0A-3549829CB887}" type="datetimeFigureOut">
               <a:rPr lang="it-IT" smtClean="0"/>
-              <a:t>25/02/2016</a:t>
+              <a:t>28/02/2016</a:t>
             </a:fld>
             <a:endParaRPr lang="it-IT"/>
           </a:p>
@@ -5057,7 +5057,7 @@
           <a:p>
             <a:fld id="{18D8BD03-F13A-452C-9B0A-3549829CB887}" type="datetimeFigureOut">
               <a:rPr lang="it-IT" smtClean="0"/>
-              <a:t>25/02/2016</a:t>
+              <a:t>28/02/2016</a:t>
             </a:fld>
             <a:endParaRPr lang="it-IT"/>
           </a:p>
@@ -5424,7 +5424,7 @@
           <a:p>
             <a:fld id="{18D8BD03-F13A-452C-9B0A-3549829CB887}" type="datetimeFigureOut">
               <a:rPr lang="it-IT" smtClean="0"/>
-              <a:t>25/02/2016</a:t>
+              <a:t>28/02/2016</a:t>
             </a:fld>
             <a:endParaRPr lang="it-IT"/>
           </a:p>
@@ -5542,7 +5542,7 @@
           <a:p>
             <a:fld id="{18D8BD03-F13A-452C-9B0A-3549829CB887}" type="datetimeFigureOut">
               <a:rPr lang="it-IT" smtClean="0"/>
-              <a:t>25/02/2016</a:t>
+              <a:t>28/02/2016</a:t>
             </a:fld>
             <a:endParaRPr lang="it-IT"/>
           </a:p>
@@ -5637,7 +5637,7 @@
           <a:p>
             <a:fld id="{18D8BD03-F13A-452C-9B0A-3549829CB887}" type="datetimeFigureOut">
               <a:rPr lang="it-IT" smtClean="0"/>
-              <a:t>25/02/2016</a:t>
+              <a:t>28/02/2016</a:t>
             </a:fld>
             <a:endParaRPr lang="it-IT"/>
           </a:p>
@@ -5914,7 +5914,7 @@
           <a:p>
             <a:fld id="{18D8BD03-F13A-452C-9B0A-3549829CB887}" type="datetimeFigureOut">
               <a:rPr lang="it-IT" smtClean="0"/>
-              <a:t>25/02/2016</a:t>
+              <a:t>28/02/2016</a:t>
             </a:fld>
             <a:endParaRPr lang="it-IT"/>
           </a:p>
@@ -6167,7 +6167,7 @@
           <a:p>
             <a:fld id="{18D8BD03-F13A-452C-9B0A-3549829CB887}" type="datetimeFigureOut">
               <a:rPr lang="it-IT" smtClean="0"/>
-              <a:t>25/02/2016</a:t>
+              <a:t>28/02/2016</a:t>
             </a:fld>
             <a:endParaRPr lang="it-IT"/>
           </a:p>
@@ -6380,7 +6380,7 @@
           <a:p>
             <a:fld id="{18D8BD03-F13A-452C-9B0A-3549829CB887}" type="datetimeFigureOut">
               <a:rPr lang="it-IT" smtClean="0"/>
-              <a:t>25/02/2016</a:t>
+              <a:t>28/02/2016</a:t>
             </a:fld>
             <a:endParaRPr lang="it-IT"/>
           </a:p>
@@ -7501,71 +7501,8 @@
         </p:nvSpPr>
         <p:spPr>
           <a:xfrm>
-            <a:off x="839788" y="718809"/>
-            <a:ext cx="3932237" cy="810126"/>
-          </a:xfrm>
-        </p:spPr>
-        <p:txBody>
-          <a:bodyPr>
-            <a:noAutofit/>
-          </a:bodyPr>
-          <a:lstStyle/>
-          <a:p>
-            <a:pPr algn="ctr"/>
-            <a:r>
-              <a:rPr lang="en-GB" sz="5400" b="1" dirty="0" smtClean="0"/>
-              <a:t>Runtime view </a:t>
-            </a:r>
-            <a:endParaRPr lang="en-GB" sz="5400" b="1" dirty="0"/>
-          </a:p>
-        </p:txBody>
-      </p:sp>
-      <p:pic>
-        <p:nvPicPr>
-          <p:cNvPr id="4" name="Content Placeholder 3"/>
-          <p:cNvPicPr>
-            <a:picLocks noGrp="1" noChangeAspect="1"/>
-          </p:cNvPicPr>
-          <p:nvPr>
-            <p:ph type="pic" idx="1"/>
-          </p:nvPr>
-        </p:nvPicPr>
-        <p:blipFill>
-          <a:blip r:embed="rId4">
-            <a:extLst>
-              <a:ext uri="{28A0092B-C50C-407E-A947-70E740481C1C}">
-                <a14:useLocalDpi xmlns:a14="http://schemas.microsoft.com/office/drawing/2010/main" val="0"/>
-              </a:ext>
-            </a:extLst>
-          </a:blip>
-          <a:stretch>
-            <a:fillRect/>
-          </a:stretch>
-        </p:blipFill>
-        <p:spPr>
-          <a:xfrm>
-            <a:off x="5773272" y="0"/>
-            <a:ext cx="5780895" cy="6848513"/>
-          </a:xfrm>
-          <a:prstGeom prst="rect">
-            <a:avLst/>
-          </a:prstGeom>
-        </p:spPr>
-      </p:pic>
-      <p:sp>
-        <p:nvSpPr>
-          <p:cNvPr id="6" name="Text Placeholder 5"/>
-          <p:cNvSpPr>
-            <a:spLocks noGrp="1"/>
-          </p:cNvSpPr>
-          <p:nvPr>
-            <p:ph type="body" sz="half" idx="2"/>
-          </p:nvPr>
-        </p:nvSpPr>
-        <p:spPr>
-          <a:xfrm>
-            <a:off x="839788" y="1668266"/>
-            <a:ext cx="3932237" cy="4884934"/>
+            <a:off x="838200" y="537883"/>
+            <a:ext cx="10515600" cy="887505"/>
           </a:xfrm>
         </p:spPr>
         <p:txBody>
@@ -7574,78 +7511,149 @@
           </a:bodyPr>
           <a:lstStyle/>
           <a:p>
-            <a:pPr marL="0" lvl="1">
-              <a:spcBef>
-                <a:spcPts val="1000"/>
-              </a:spcBef>
-            </a:pPr>
-            <a:r>
-              <a:rPr lang="en-US" sz="1800" b="1" dirty="0" smtClean="0"/>
-              <a:t>Registration</a:t>
-            </a:r>
-          </a:p>
-          <a:p>
-            <a:pPr marL="0" lvl="1">
-              <a:spcBef>
-                <a:spcPts val="1000"/>
-              </a:spcBef>
-            </a:pPr>
-            <a:r>
-              <a:rPr lang="en-US" sz="1600" dirty="0" smtClean="0"/>
-              <a:t>The </a:t>
-            </a:r>
-            <a:r>
-              <a:rPr lang="en-US" sz="1600" dirty="0"/>
-              <a:t>algorithm takes in account the completeness, the correctness and the availability of the information inserted</a:t>
-            </a:r>
-            <a:r>
-              <a:rPr lang="en-US" sz="1600" dirty="0" smtClean="0"/>
-              <a:t>. </a:t>
-            </a:r>
-            <a:r>
-              <a:rPr lang="en-US" sz="1600" dirty="0"/>
-              <a:t>After the guest submits the information the application checks if all the mandatory fields are filled and if the confirmation fields, such as password and email, correspond to the respective previous </a:t>
-            </a:r>
-            <a:r>
-              <a:rPr lang="en-US" sz="1600" dirty="0" smtClean="0"/>
-              <a:t>ones.</a:t>
-            </a:r>
-          </a:p>
-          <a:p>
-            <a:pPr marL="0" lvl="1">
-              <a:spcBef>
-                <a:spcPts val="1000"/>
-              </a:spcBef>
-            </a:pPr>
-            <a:r>
-              <a:rPr lang="en-US" sz="1600" dirty="0" smtClean="0"/>
-              <a:t>If </a:t>
-            </a:r>
-            <a:r>
-              <a:rPr lang="en-US" sz="1600" dirty="0"/>
-              <a:t>one of the above doesn't apply, the application shows again the registration page to the guest. If they do, then it looks up into the database to verify that the username and email inserted are not already in </a:t>
-            </a:r>
-            <a:r>
-              <a:rPr lang="en-US" sz="1600" dirty="0" err="1" smtClean="0"/>
-              <a:t>use.If</a:t>
-            </a:r>
-            <a:r>
-              <a:rPr lang="en-US" sz="1600" dirty="0" smtClean="0"/>
+            <a:pPr algn="ctr"/>
+            <a:r>
+              <a:rPr lang="en-GB" sz="5400" b="1" dirty="0" smtClean="0"/>
+              <a:t>Component interfaces</a:t>
+            </a:r>
+            <a:endParaRPr lang="en-GB" sz="5400" b="1" dirty="0"/>
+          </a:p>
+        </p:txBody>
+      </p:sp>
+      <p:sp>
+        <p:nvSpPr>
+          <p:cNvPr id="3" name="Content Placeholder 2"/>
+          <p:cNvSpPr>
+            <a:spLocks noGrp="1"/>
+          </p:cNvSpPr>
+          <p:nvPr>
+            <p:ph idx="1"/>
+          </p:nvPr>
+        </p:nvSpPr>
+        <p:spPr>
+          <a:xfrm>
+            <a:off x="838200" y="1631576"/>
+            <a:ext cx="10515600" cy="4545387"/>
+          </a:xfrm>
+        </p:spPr>
+        <p:txBody>
+          <a:bodyPr>
+            <a:normAutofit/>
+          </a:bodyPr>
+          <a:lstStyle/>
+          <a:p>
+            <a:r>
+              <a:rPr lang="en-GB" b="1" dirty="0" err="1" smtClean="0"/>
+              <a:t>AccessManager</a:t>
+            </a:r>
+            <a:endParaRPr lang="en-GB" b="1" dirty="0"/>
+          </a:p>
+          <a:p>
+            <a:pPr lvl="1"/>
+            <a:r>
+              <a:rPr lang="en-US" b="1" dirty="0" err="1" smtClean="0"/>
+              <a:t>Registration:Register</a:t>
+            </a:r>
+            <a:r>
+              <a:rPr lang="en-US" dirty="0"/>
               <a:t> </a:t>
             </a:r>
             <a:r>
-              <a:rPr lang="en-US" sz="1600" dirty="0"/>
-              <a:t>they don't, then the user is added to the database and is shown a confirmation page, inviting him to log in., otherwise the registration page is shown </a:t>
-            </a:r>
-            <a:r>
-              <a:rPr lang="en-GB" sz="1600" dirty="0"/>
-              <a:t>again</a:t>
-            </a:r>
-            <a:r>
-              <a:rPr lang="en-GB" sz="1600" dirty="0" smtClean="0"/>
-              <a:t>.</a:t>
-            </a:r>
-            <a:endParaRPr lang="en-GB" sz="1600" b="1" dirty="0"/>
+              <a:rPr lang="en-US" dirty="0" smtClean="0"/>
+              <a:t>-  </a:t>
+            </a:r>
+            <a:r>
+              <a:rPr lang="en-US" dirty="0"/>
+              <a:t>This interface allows a guest to register </a:t>
+            </a:r>
+            <a:r>
+              <a:rPr lang="en-US" dirty="0" smtClean="0"/>
+              <a:t>himself into </a:t>
+            </a:r>
+            <a:r>
+              <a:rPr lang="en-US" dirty="0"/>
+              <a:t>the system by giving the mandatory information.</a:t>
+            </a:r>
+          </a:p>
+          <a:p>
+            <a:pPr lvl="1"/>
+            <a:r>
+              <a:rPr lang="en-US" b="1" dirty="0" err="1" smtClean="0"/>
+              <a:t>Authentication:Login</a:t>
+            </a:r>
+            <a:r>
+              <a:rPr lang="en-US" dirty="0"/>
+              <a:t> </a:t>
+            </a:r>
+            <a:r>
+              <a:rPr lang="en-US" dirty="0" smtClean="0"/>
+              <a:t>-  </a:t>
+            </a:r>
+            <a:r>
+              <a:rPr lang="en-US" dirty="0"/>
+              <a:t>This is the interface that allows the </a:t>
+            </a:r>
+            <a:r>
+              <a:rPr lang="en-US" dirty="0" smtClean="0"/>
+              <a:t>users/drivers to </a:t>
+            </a:r>
+            <a:r>
+              <a:rPr lang="en-US" dirty="0"/>
+              <a:t>log into the system. This will guide the user/driver to his </a:t>
+            </a:r>
+            <a:r>
+              <a:rPr lang="en-US" dirty="0" smtClean="0"/>
+              <a:t>relative </a:t>
+            </a:r>
+            <a:r>
+              <a:rPr lang="en-GB" dirty="0" smtClean="0"/>
+              <a:t>home page.</a:t>
+            </a:r>
+          </a:p>
+          <a:p>
+            <a:r>
+              <a:rPr lang="en-GB" b="1" dirty="0" err="1"/>
+              <a:t>DataManager</a:t>
+            </a:r>
+            <a:endParaRPr lang="en-GB" b="1" dirty="0"/>
+          </a:p>
+          <a:p>
+            <a:pPr lvl="1"/>
+            <a:r>
+              <a:rPr lang="en-US" b="1" dirty="0" err="1"/>
+              <a:t>AddData</a:t>
+            </a:r>
+            <a:r>
+              <a:rPr lang="en-US" dirty="0"/>
+              <a:t>: This component uses interfaces provided by other components in order to grant a major grade of security to the data tier interposing between the presentation tier and the data one.</a:t>
+            </a:r>
+          </a:p>
+          <a:p>
+            <a:pPr lvl="1"/>
+            <a:r>
+              <a:rPr lang="en-US" b="1" dirty="0" err="1"/>
+              <a:t>QueryData</a:t>
+            </a:r>
+            <a:r>
+              <a:rPr lang="en-US" dirty="0"/>
+              <a:t>: This component, like </a:t>
+            </a:r>
+            <a:r>
+              <a:rPr lang="en-US" dirty="0" err="1"/>
+              <a:t>AddData</a:t>
+            </a:r>
+            <a:r>
+              <a:rPr lang="en-US" dirty="0"/>
+              <a:t>, communicates with the data tier querying it in order to check user's information given by the </a:t>
+            </a:r>
+            <a:r>
+              <a:rPr lang="en-GB" dirty="0"/>
+              <a:t>user interface.</a:t>
+            </a:r>
+          </a:p>
+          <a:p>
+            <a:pPr lvl="1"/>
+            <a:endParaRPr lang="en-GB" dirty="0" smtClean="0"/>
           </a:p>
         </p:txBody>
       </p:sp>
@@ -7682,7 +7690,7 @@
     </p:spTree>
     <p:extLst>
       <p:ext uri="{BB962C8B-B14F-4D97-AF65-F5344CB8AC3E}">
-        <p14:creationId xmlns:p14="http://schemas.microsoft.com/office/powerpoint/2010/main" val="3113658615"/>
+        <p14:creationId xmlns:p14="http://schemas.microsoft.com/office/powerpoint/2010/main" val="2030204333"/>
       </p:ext>
     </p:extLst>
   </p:cSld>
@@ -7728,71 +7736,8 @@
         </p:nvSpPr>
         <p:spPr>
           <a:xfrm>
-            <a:off x="839788" y="718809"/>
-            <a:ext cx="3932237" cy="810126"/>
-          </a:xfrm>
-        </p:spPr>
-        <p:txBody>
-          <a:bodyPr>
-            <a:noAutofit/>
-          </a:bodyPr>
-          <a:lstStyle/>
-          <a:p>
-            <a:pPr algn="ctr"/>
-            <a:r>
-              <a:rPr lang="en-GB" sz="5400" b="1" dirty="0" smtClean="0"/>
-              <a:t>Runtime view </a:t>
-            </a:r>
-            <a:endParaRPr lang="en-GB" sz="5400" b="1" dirty="0"/>
-          </a:p>
-        </p:txBody>
-      </p:sp>
-      <p:pic>
-        <p:nvPicPr>
-          <p:cNvPr id="4" name="Content Placeholder 3"/>
-          <p:cNvPicPr>
-            <a:picLocks noGrp="1" noChangeAspect="1"/>
-          </p:cNvPicPr>
-          <p:nvPr>
-            <p:ph type="pic" idx="1"/>
-          </p:nvPr>
-        </p:nvPicPr>
-        <p:blipFill>
-          <a:blip r:embed="rId4">
-            <a:extLst>
-              <a:ext uri="{28A0092B-C50C-407E-A947-70E740481C1C}">
-                <a14:useLocalDpi xmlns:a14="http://schemas.microsoft.com/office/drawing/2010/main" val="0"/>
-              </a:ext>
-            </a:extLst>
-          </a:blip>
-          <a:stretch>
-            <a:fillRect/>
-          </a:stretch>
-        </p:blipFill>
-        <p:spPr>
-          <a:xfrm>
-            <a:off x="6392699" y="0"/>
-            <a:ext cx="4542040" cy="6848513"/>
-          </a:xfrm>
-          <a:prstGeom prst="rect">
-            <a:avLst/>
-          </a:prstGeom>
-        </p:spPr>
-      </p:pic>
-      <p:sp>
-        <p:nvSpPr>
-          <p:cNvPr id="6" name="Text Placeholder 5"/>
-          <p:cNvSpPr>
-            <a:spLocks noGrp="1"/>
-          </p:cNvSpPr>
-          <p:nvPr>
-            <p:ph type="body" sz="half" idx="2"/>
-          </p:nvPr>
-        </p:nvSpPr>
-        <p:spPr>
-          <a:xfrm>
-            <a:off x="839788" y="1668266"/>
-            <a:ext cx="3932237" cy="4884934"/>
+            <a:off x="838200" y="537883"/>
+            <a:ext cx="10515600" cy="887505"/>
           </a:xfrm>
         </p:spPr>
         <p:txBody>
@@ -7801,57 +7746,117 @@
           </a:bodyPr>
           <a:lstStyle/>
           <a:p>
-            <a:pPr marL="0" lvl="1">
-              <a:spcBef>
-                <a:spcPts val="1000"/>
-              </a:spcBef>
-            </a:pPr>
-            <a:r>
-              <a:rPr lang="en-US" sz="1800" b="1" dirty="0" smtClean="0"/>
-              <a:t>Log in</a:t>
-            </a:r>
-          </a:p>
-          <a:p>
-            <a:pPr marL="0" lvl="1">
-              <a:spcBef>
-                <a:spcPts val="1000"/>
-              </a:spcBef>
-            </a:pPr>
-            <a:r>
-              <a:rPr lang="en-US" sz="1600" dirty="0"/>
-              <a:t>After the guest inputs his credentials, the application first checks if both fields are filled, then looks for the username in the database to see if it exists. If it does, it checks if the password matches too.</a:t>
-            </a:r>
-          </a:p>
-          <a:p>
-            <a:pPr marL="0" lvl="1">
-              <a:spcBef>
-                <a:spcPts val="1000"/>
-              </a:spcBef>
-            </a:pPr>
-            <a:r>
-              <a:rPr lang="en-US" sz="1600" dirty="0"/>
-              <a:t>If all of these steps are verified, the guest is logged in and is shown his personal page, otherwise the application shows the login page again</a:t>
-            </a:r>
-            <a:r>
-              <a:rPr lang="en-US" sz="1600" dirty="0" smtClean="0"/>
+            <a:pPr algn="ctr"/>
+            <a:r>
+              <a:rPr lang="en-GB" sz="5400" b="1" dirty="0" smtClean="0"/>
+              <a:t>Component interfaces</a:t>
+            </a:r>
+            <a:endParaRPr lang="en-GB" sz="5400" b="1" dirty="0"/>
+          </a:p>
+        </p:txBody>
+      </p:sp>
+      <p:sp>
+        <p:nvSpPr>
+          <p:cNvPr id="3" name="Content Placeholder 2"/>
+          <p:cNvSpPr>
+            <a:spLocks noGrp="1"/>
+          </p:cNvSpPr>
+          <p:nvPr>
+            <p:ph idx="1"/>
+          </p:nvPr>
+        </p:nvSpPr>
+        <p:spPr>
+          <a:xfrm>
+            <a:off x="838200" y="1631576"/>
+            <a:ext cx="10515600" cy="4545387"/>
+          </a:xfrm>
+        </p:spPr>
+        <p:txBody>
+          <a:bodyPr>
+            <a:normAutofit/>
+          </a:bodyPr>
+          <a:lstStyle/>
+          <a:p>
+            <a:r>
+              <a:rPr lang="en-GB" b="1" dirty="0"/>
+              <a:t>Database</a:t>
+            </a:r>
+          </a:p>
+          <a:p>
+            <a:pPr lvl="1"/>
+            <a:r>
+              <a:rPr lang="en-US" dirty="0" smtClean="0"/>
+              <a:t>The </a:t>
+            </a:r>
+            <a:r>
+              <a:rPr lang="en-US" dirty="0"/>
+              <a:t>relevant interfaces given by this tier are the most common </a:t>
+            </a:r>
+            <a:r>
+              <a:rPr lang="en-US" dirty="0" smtClean="0"/>
+              <a:t>known methods </a:t>
+            </a:r>
+            <a:r>
+              <a:rPr lang="en-US" dirty="0"/>
+              <a:t>through which it's possible to operate, manipulate and </a:t>
+            </a:r>
+            <a:r>
+              <a:rPr lang="en-US" dirty="0" smtClean="0"/>
+              <a:t>query</a:t>
+            </a:r>
+            <a:r>
+              <a:rPr lang="en-GB" dirty="0" err="1" smtClean="0"/>
+              <a:t>ing</a:t>
+            </a:r>
+            <a:r>
+              <a:rPr lang="en-GB" dirty="0" smtClean="0"/>
+              <a:t> </a:t>
+            </a:r>
+            <a:r>
+              <a:rPr lang="en-GB" dirty="0"/>
+              <a:t>a database</a:t>
+            </a:r>
+            <a:r>
+              <a:rPr lang="en-GB" dirty="0" smtClean="0"/>
               <a:t>.</a:t>
             </a:r>
           </a:p>
           <a:p>
-            <a:pPr marL="0" lvl="1">
-              <a:spcBef>
-                <a:spcPts val="1000"/>
-              </a:spcBef>
-            </a:pPr>
-            <a:r>
-              <a:rPr lang="en-US" sz="1600" dirty="0"/>
-              <a:t>After the password verification, the application will check the privileges of the account that is about to log in and will consequently show the respective page, be it user's or driver's</a:t>
-            </a:r>
-            <a:r>
-              <a:rPr lang="en-US" sz="1600" dirty="0" smtClean="0"/>
-              <a:t>.</a:t>
-            </a:r>
-            <a:endParaRPr lang="en-GB" sz="1600" b="1" dirty="0"/>
+            <a:r>
+              <a:rPr lang="en-GB" b="1" dirty="0"/>
+              <a:t>Driver</a:t>
+            </a:r>
+          </a:p>
+          <a:p>
+            <a:pPr lvl="1"/>
+            <a:r>
+              <a:rPr lang="en-US" b="1" dirty="0" err="1"/>
+              <a:t>BeAvailable:Informs_About_Availability</a:t>
+            </a:r>
+            <a:r>
+              <a:rPr lang="en-US" dirty="0"/>
+              <a:t> -  This is the interface that allows a driver to inform the system about his current availability. It can be changed by both system and driver according to what is </a:t>
+            </a:r>
+            <a:r>
+              <a:rPr lang="en-GB" dirty="0"/>
+              <a:t>written in the RASD.</a:t>
+            </a:r>
+          </a:p>
+          <a:p>
+            <a:pPr lvl="1"/>
+            <a:r>
+              <a:rPr lang="en-US" b="1" dirty="0" err="1"/>
+              <a:t>Confirmation:Accept</a:t>
+            </a:r>
+            <a:r>
+              <a:rPr lang="en-US" dirty="0"/>
+              <a:t> -  This is the interface through which a driver can accept an incoming user's request forwarded by the system.</a:t>
+            </a:r>
+            <a:endParaRPr lang="en-GB" dirty="0"/>
+          </a:p>
+          <a:p>
+            <a:pPr lvl="1"/>
+            <a:endParaRPr lang="en-GB" dirty="0" smtClean="0"/>
           </a:p>
         </p:txBody>
       </p:sp>
@@ -7888,7 +7893,7 @@
     </p:spTree>
     <p:extLst>
       <p:ext uri="{BB962C8B-B14F-4D97-AF65-F5344CB8AC3E}">
-        <p14:creationId xmlns:p14="http://schemas.microsoft.com/office/powerpoint/2010/main" val="423975636"/>
+        <p14:creationId xmlns:p14="http://schemas.microsoft.com/office/powerpoint/2010/main" val="2991816599"/>
       </p:ext>
     </p:extLst>
   </p:cSld>
@@ -7934,71 +7939,8 @@
         </p:nvSpPr>
         <p:spPr>
           <a:xfrm>
-            <a:off x="839788" y="718809"/>
-            <a:ext cx="3932237" cy="810126"/>
-          </a:xfrm>
-        </p:spPr>
-        <p:txBody>
-          <a:bodyPr>
-            <a:noAutofit/>
-          </a:bodyPr>
-          <a:lstStyle/>
-          <a:p>
-            <a:pPr algn="ctr"/>
-            <a:r>
-              <a:rPr lang="en-GB" sz="5400" b="1" dirty="0" smtClean="0"/>
-              <a:t>Runtime view </a:t>
-            </a:r>
-            <a:endParaRPr lang="en-GB" sz="5400" b="1" dirty="0"/>
-          </a:p>
-        </p:txBody>
-      </p:sp>
-      <p:pic>
-        <p:nvPicPr>
-          <p:cNvPr id="4" name="Content Placeholder 3"/>
-          <p:cNvPicPr>
-            <a:picLocks noGrp="1" noChangeAspect="1"/>
-          </p:cNvPicPr>
-          <p:nvPr>
-            <p:ph type="pic" idx="1"/>
-          </p:nvPr>
-        </p:nvPicPr>
-        <p:blipFill>
-          <a:blip r:embed="rId4">
-            <a:extLst>
-              <a:ext uri="{28A0092B-C50C-407E-A947-70E740481C1C}">
-                <a14:useLocalDpi xmlns:a14="http://schemas.microsoft.com/office/drawing/2010/main" val="0"/>
-              </a:ext>
-            </a:extLst>
-          </a:blip>
-          <a:stretch>
-            <a:fillRect/>
-          </a:stretch>
-        </p:blipFill>
-        <p:spPr>
-          <a:xfrm>
-            <a:off x="5192208" y="1"/>
-            <a:ext cx="6932869" cy="6858000"/>
-          </a:xfrm>
-          <a:prstGeom prst="rect">
-            <a:avLst/>
-          </a:prstGeom>
-        </p:spPr>
-      </p:pic>
-      <p:sp>
-        <p:nvSpPr>
-          <p:cNvPr id="6" name="Text Placeholder 5"/>
-          <p:cNvSpPr>
-            <a:spLocks noGrp="1"/>
-          </p:cNvSpPr>
-          <p:nvPr>
-            <p:ph type="body" sz="half" idx="2"/>
-          </p:nvPr>
-        </p:nvSpPr>
-        <p:spPr>
-          <a:xfrm>
-            <a:off x="839788" y="1668266"/>
-            <a:ext cx="3932237" cy="4884934"/>
+            <a:off x="838200" y="537883"/>
+            <a:ext cx="10515600" cy="887505"/>
           </a:xfrm>
         </p:spPr>
         <p:txBody>
@@ -8007,59 +7949,167 @@
           </a:bodyPr>
           <a:lstStyle/>
           <a:p>
-            <a:pPr marL="0" lvl="1">
-              <a:spcBef>
-                <a:spcPts val="1000"/>
-              </a:spcBef>
-            </a:pPr>
-            <a:r>
-              <a:rPr lang="en-US" sz="1800" b="1" dirty="0" smtClean="0"/>
-              <a:t>Queue management</a:t>
-            </a:r>
-          </a:p>
-          <a:p>
-            <a:r>
-              <a:rPr lang="en-US" dirty="0"/>
-              <a:t>This sequence diagram represents how the application manage to forward </a:t>
+            <a:pPr algn="ctr"/>
+            <a:r>
+              <a:rPr lang="en-GB" sz="5400" b="1" dirty="0" smtClean="0"/>
+              <a:t>Component interfaces</a:t>
+            </a:r>
+            <a:endParaRPr lang="en-GB" sz="5400" b="1" dirty="0"/>
+          </a:p>
+        </p:txBody>
+      </p:sp>
+      <p:sp>
+        <p:nvSpPr>
+          <p:cNvPr id="3" name="Content Placeholder 2"/>
+          <p:cNvSpPr>
+            <a:spLocks noGrp="1"/>
+          </p:cNvSpPr>
+          <p:nvPr>
+            <p:ph idx="1"/>
+          </p:nvPr>
+        </p:nvSpPr>
+        <p:spPr>
+          <a:xfrm>
+            <a:off x="838200" y="1631576"/>
+            <a:ext cx="10515600" cy="4545387"/>
+          </a:xfrm>
+        </p:spPr>
+        <p:txBody>
+          <a:bodyPr>
+            <a:normAutofit/>
+          </a:bodyPr>
+          <a:lstStyle/>
+          <a:p>
+            <a:r>
+              <a:rPr lang="en-GB" b="1" dirty="0" smtClean="0"/>
+              <a:t>User</a:t>
+            </a:r>
+            <a:endParaRPr lang="en-GB" b="1" dirty="0"/>
+          </a:p>
+          <a:p>
+            <a:pPr lvl="1"/>
+            <a:r>
+              <a:rPr lang="en-US" b="1" dirty="0" err="1" smtClean="0"/>
+              <a:t>SimpleRequest:Simple_Request</a:t>
+            </a:r>
+            <a:r>
+              <a:rPr lang="en-US" dirty="0"/>
+              <a:t> </a:t>
             </a:r>
             <a:r>
               <a:rPr lang="en-US" dirty="0" smtClean="0"/>
-              <a:t>a </a:t>
-            </a:r>
-            <a:r>
-              <a:rPr lang="en-GB" dirty="0" smtClean="0"/>
-              <a:t>request to a driver.</a:t>
-            </a:r>
-          </a:p>
-          <a:p>
-            <a:pPr marL="0" lvl="1">
-              <a:spcBef>
-                <a:spcPts val="1000"/>
-              </a:spcBef>
-            </a:pPr>
-            <a:r>
-              <a:rPr lang="en-US" sz="1600" dirty="0"/>
-              <a:t>After </a:t>
-            </a:r>
-            <a:r>
-              <a:rPr lang="en-US" sz="1600" dirty="0" smtClean="0"/>
-              <a:t>a user makes a ride request, </a:t>
-            </a:r>
-            <a:r>
-              <a:rPr lang="en-US" sz="1600" dirty="0"/>
-              <a:t>the application will then begin to allocate the first available taxi, otherwise if there's none it will just wait until one becomes available.</a:t>
-            </a:r>
-          </a:p>
-          <a:p>
-            <a:pPr marL="0" lvl="1">
-              <a:spcBef>
-                <a:spcPts val="1000"/>
-              </a:spcBef>
-            </a:pPr>
-            <a:r>
-              <a:rPr lang="en-US" sz="1600" dirty="0"/>
-              <a:t>After forwarding the request to the taxi, the system will wait 30 seconds, if the driver answers the call he will be in charge for that request, or else the system forwards the request to the next available taxi in queue. In both cases the driver will be put at the end of the queue.</a:t>
-            </a:r>
+              <a:t>-  </a:t>
+            </a:r>
+            <a:r>
+              <a:rPr lang="en-US" dirty="0"/>
+              <a:t>This is the interface that allows </a:t>
+            </a:r>
+            <a:r>
+              <a:rPr lang="en-US" dirty="0" smtClean="0"/>
+              <a:t>the users </a:t>
+            </a:r>
+            <a:r>
+              <a:rPr lang="en-US" dirty="0"/>
+              <a:t>to ask for a taxi for a simple ride.</a:t>
+            </a:r>
+          </a:p>
+          <a:p>
+            <a:pPr lvl="1"/>
+            <a:r>
+              <a:rPr lang="en-US" b="1" dirty="0" err="1" smtClean="0"/>
+              <a:t>DetailedRequest:Detailed_Request</a:t>
+            </a:r>
+            <a:r>
+              <a:rPr lang="en-US" dirty="0"/>
+              <a:t> </a:t>
+            </a:r>
+            <a:r>
+              <a:rPr lang="en-US" dirty="0" smtClean="0"/>
+              <a:t>-  </a:t>
+            </a:r>
+            <a:r>
+              <a:rPr lang="en-US" dirty="0"/>
+              <a:t>This is the interface that </a:t>
+            </a:r>
+            <a:r>
+              <a:rPr lang="en-US" dirty="0" smtClean="0"/>
+              <a:t>allows the </a:t>
+            </a:r>
+            <a:r>
+              <a:rPr lang="en-US" dirty="0"/>
+              <a:t>users to reserve a taxi.</a:t>
+            </a:r>
+          </a:p>
+          <a:p>
+            <a:pPr lvl="1"/>
+            <a:r>
+              <a:rPr lang="en-US" b="1" dirty="0" err="1" smtClean="0"/>
+              <a:t>NumberOfTaxi</a:t>
+            </a:r>
+            <a:r>
+              <a:rPr lang="en-US" dirty="0"/>
+              <a:t> </a:t>
+            </a:r>
+            <a:r>
+              <a:rPr lang="en-US" dirty="0" smtClean="0"/>
+              <a:t>-  </a:t>
+            </a:r>
+            <a:r>
+              <a:rPr lang="en-US" dirty="0"/>
+              <a:t>This component uses a required interface </a:t>
+            </a:r>
+            <a:r>
+              <a:rPr lang="en-US" dirty="0" smtClean="0"/>
+              <a:t>provided by </a:t>
+            </a:r>
+            <a:r>
+              <a:rPr lang="en-US" dirty="0"/>
+              <a:t>the </a:t>
+            </a:r>
+            <a:r>
+              <a:rPr lang="en-US" dirty="0" err="1"/>
+              <a:t>TaxiQueue</a:t>
+            </a:r>
+            <a:r>
+              <a:rPr lang="en-US" dirty="0"/>
+              <a:t> in order to query it and know the number of </a:t>
+            </a:r>
+            <a:r>
+              <a:rPr lang="en-US" dirty="0" smtClean="0"/>
+              <a:t>available </a:t>
+            </a:r>
+            <a:r>
+              <a:rPr lang="en-US" dirty="0"/>
+              <a:t>taxi in relation to the current position given by the GPS.</a:t>
+            </a:r>
+          </a:p>
+          <a:p>
+            <a:pPr lvl="1"/>
+            <a:r>
+              <a:rPr lang="en-US" b="1" dirty="0" smtClean="0"/>
+              <a:t>Notification</a:t>
+            </a:r>
+            <a:r>
+              <a:rPr lang="en-US" dirty="0"/>
+              <a:t>: This is a component that only has a user's </a:t>
+            </a:r>
+            <a:r>
+              <a:rPr lang="en-US" dirty="0" smtClean="0"/>
+              <a:t>interface that </a:t>
+            </a:r>
+            <a:r>
+              <a:rPr lang="en-US" dirty="0"/>
+              <a:t>depends on the </a:t>
+            </a:r>
+            <a:r>
+              <a:rPr lang="en-US" dirty="0" err="1"/>
+              <a:t>conrmation</a:t>
+            </a:r>
+            <a:r>
+              <a:rPr lang="en-US" dirty="0"/>
+              <a:t> of the user's own request.</a:t>
+            </a:r>
+            <a:endParaRPr lang="en-GB" dirty="0" smtClean="0"/>
           </a:p>
         </p:txBody>
       </p:sp>
@@ -8096,7 +8146,7 @@
     </p:spTree>
     <p:extLst>
       <p:ext uri="{BB962C8B-B14F-4D97-AF65-F5344CB8AC3E}">
-        <p14:creationId xmlns:p14="http://schemas.microsoft.com/office/powerpoint/2010/main" val="2361494569"/>
+        <p14:creationId xmlns:p14="http://schemas.microsoft.com/office/powerpoint/2010/main" val="2354013361"/>
       </p:ext>
     </p:extLst>
   </p:cSld>
@@ -8142,71 +8192,8 @@
         </p:nvSpPr>
         <p:spPr>
           <a:xfrm>
-            <a:off x="839788" y="718809"/>
-            <a:ext cx="3932237" cy="810126"/>
-          </a:xfrm>
-        </p:spPr>
-        <p:txBody>
-          <a:bodyPr>
-            <a:noAutofit/>
-          </a:bodyPr>
-          <a:lstStyle/>
-          <a:p>
-            <a:pPr algn="ctr"/>
-            <a:r>
-              <a:rPr lang="en-GB" sz="5400" b="1" dirty="0" smtClean="0"/>
-              <a:t>Runtime view </a:t>
-            </a:r>
-            <a:endParaRPr lang="en-GB" sz="5400" b="1" dirty="0"/>
-          </a:p>
-        </p:txBody>
-      </p:sp>
-      <p:pic>
-        <p:nvPicPr>
-          <p:cNvPr id="4" name="Content Placeholder 3"/>
-          <p:cNvPicPr>
-            <a:picLocks noGrp="1" noChangeAspect="1"/>
-          </p:cNvPicPr>
-          <p:nvPr>
-            <p:ph type="pic" idx="1"/>
-          </p:nvPr>
-        </p:nvPicPr>
-        <p:blipFill>
-          <a:blip r:embed="rId4">
-            <a:extLst>
-              <a:ext uri="{28A0092B-C50C-407E-A947-70E740481C1C}">
-                <a14:useLocalDpi xmlns:a14="http://schemas.microsoft.com/office/drawing/2010/main" val="0"/>
-              </a:ext>
-            </a:extLst>
-          </a:blip>
-          <a:stretch>
-            <a:fillRect/>
-          </a:stretch>
-        </p:blipFill>
-        <p:spPr>
-          <a:xfrm>
-            <a:off x="5163208" y="56259"/>
-            <a:ext cx="6933998" cy="6801741"/>
-          </a:xfrm>
-          <a:prstGeom prst="rect">
-            <a:avLst/>
-          </a:prstGeom>
-        </p:spPr>
-      </p:pic>
-      <p:sp>
-        <p:nvSpPr>
-          <p:cNvPr id="6" name="Text Placeholder 5"/>
-          <p:cNvSpPr>
-            <a:spLocks noGrp="1"/>
-          </p:cNvSpPr>
-          <p:nvPr>
-            <p:ph type="body" sz="half" idx="2"/>
-          </p:nvPr>
-        </p:nvSpPr>
-        <p:spPr>
-          <a:xfrm>
-            <a:off x="839788" y="1668266"/>
-            <a:ext cx="3932237" cy="4884934"/>
+            <a:off x="838200" y="537883"/>
+            <a:ext cx="10515600" cy="887505"/>
           </a:xfrm>
         </p:spPr>
         <p:txBody>
@@ -8215,80 +8202,94 @@
           </a:bodyPr>
           <a:lstStyle/>
           <a:p>
-            <a:pPr marL="0" lvl="1">
-              <a:spcBef>
-                <a:spcPts val="1000"/>
-              </a:spcBef>
-            </a:pPr>
-            <a:r>
-              <a:rPr lang="en-US" sz="1800" b="1" dirty="0" smtClean="0"/>
-              <a:t>Simple request</a:t>
-            </a:r>
-          </a:p>
-          <a:p>
-            <a:pPr marL="0" lvl="1">
-              <a:spcBef>
-                <a:spcPts val="1000"/>
-              </a:spcBef>
-            </a:pPr>
-            <a:r>
-              <a:rPr lang="en-US" sz="1600" dirty="0" smtClean="0"/>
-              <a:t>After </a:t>
-            </a:r>
-            <a:r>
-              <a:rPr lang="en-US" sz="1600" dirty="0"/>
-              <a:t>the user clicks on the Simple request button, he is shown the simple </a:t>
-            </a:r>
-            <a:r>
-              <a:rPr lang="en-GB" sz="1600" dirty="0"/>
-              <a:t>request page</a:t>
-            </a:r>
-            <a:r>
-              <a:rPr lang="en-GB" sz="1600" dirty="0" smtClean="0"/>
-              <a:t>.</a:t>
-            </a:r>
-          </a:p>
-          <a:p>
-            <a:pPr marL="0" lvl="1">
-              <a:spcBef>
-                <a:spcPts val="1000"/>
-              </a:spcBef>
-            </a:pPr>
-            <a:r>
-              <a:rPr lang="en-US" sz="1600" dirty="0"/>
-              <a:t>After he inserts the origin of his ride and press the Request button, the application will then begin to </a:t>
-            </a:r>
-            <a:r>
-              <a:rPr lang="en-US" sz="1600" dirty="0" smtClean="0"/>
-              <a:t>a taxi according to the Queue Management algorithm.</a:t>
-            </a:r>
-          </a:p>
-          <a:p>
-            <a:pPr marL="0" lvl="1">
-              <a:spcBef>
-                <a:spcPts val="1000"/>
-              </a:spcBef>
-            </a:pPr>
-            <a:r>
-              <a:rPr lang="en-US" sz="1600" dirty="0" smtClean="0"/>
-              <a:t>Once the taxi is allocated, the user is informed with a notification containing the code of the taxi and the waiting time.</a:t>
-            </a:r>
-          </a:p>
-          <a:p>
-            <a:pPr marL="0" lvl="1">
-              <a:spcBef>
-                <a:spcPts val="1000"/>
-              </a:spcBef>
-            </a:pPr>
-            <a:endParaRPr lang="en-US" sz="1600" dirty="0"/>
-          </a:p>
-          <a:p>
-            <a:pPr marL="0" lvl="1">
-              <a:spcBef>
-                <a:spcPts val="1000"/>
-              </a:spcBef>
-            </a:pPr>
-            <a:endParaRPr lang="en-GB" sz="1600" dirty="0"/>
+            <a:pPr algn="ctr"/>
+            <a:r>
+              <a:rPr lang="en-GB" sz="5400" b="1" dirty="0" smtClean="0"/>
+              <a:t>Component interfaces</a:t>
+            </a:r>
+            <a:endParaRPr lang="en-GB" sz="5400" b="1" dirty="0"/>
+          </a:p>
+        </p:txBody>
+      </p:sp>
+      <p:sp>
+        <p:nvSpPr>
+          <p:cNvPr id="3" name="Content Placeholder 2"/>
+          <p:cNvSpPr>
+            <a:spLocks noGrp="1"/>
+          </p:cNvSpPr>
+          <p:nvPr>
+            <p:ph idx="1"/>
+          </p:nvPr>
+        </p:nvSpPr>
+        <p:spPr>
+          <a:xfrm>
+            <a:off x="838200" y="1631576"/>
+            <a:ext cx="10515600" cy="4545387"/>
+          </a:xfrm>
+        </p:spPr>
+        <p:txBody>
+          <a:bodyPr>
+            <a:normAutofit lnSpcReduction="10000"/>
+          </a:bodyPr>
+          <a:lstStyle/>
+          <a:p>
+            <a:r>
+              <a:rPr lang="en-GB" b="1" dirty="0"/>
+              <a:t>Application</a:t>
+            </a:r>
+          </a:p>
+          <a:p>
+            <a:pPr lvl="1"/>
+            <a:r>
+              <a:rPr lang="en-US" b="1" dirty="0" err="1" smtClean="0"/>
+              <a:t>ManageRequest:Save_Request</a:t>
+            </a:r>
+            <a:r>
+              <a:rPr lang="en-US" dirty="0" smtClean="0"/>
+              <a:t>: This interface is given to the manager data component in order to retrieve information about requests and save them in the database.</a:t>
+            </a:r>
+          </a:p>
+          <a:p>
+            <a:pPr lvl="1"/>
+            <a:r>
+              <a:rPr lang="en-US" b="1" dirty="0" err="1" smtClean="0"/>
+              <a:t>ManageRequest:Taxi_Queue</a:t>
+            </a:r>
+            <a:r>
+              <a:rPr lang="en-US" dirty="0" smtClean="0"/>
+              <a:t>: This interface is the major central point of the application because it communicates with the other components whose tasks are to handle requests incoming from the users and forward them correctly to the drivers.</a:t>
+            </a:r>
+          </a:p>
+          <a:p>
+            <a:pPr lvl="1"/>
+            <a:r>
+              <a:rPr lang="en-US" b="1" dirty="0" err="1" smtClean="0"/>
+              <a:t>TaxiQueue:Query_Queue</a:t>
+            </a:r>
+            <a:r>
+              <a:rPr lang="en-US" dirty="0" smtClean="0"/>
+              <a:t>: This interface only allows to query the </a:t>
+            </a:r>
+            <a:r>
+              <a:rPr lang="en-GB" dirty="0" smtClean="0"/>
+              <a:t>number of available taxis.</a:t>
+            </a:r>
+          </a:p>
+          <a:p>
+            <a:pPr lvl="1"/>
+            <a:r>
+              <a:rPr lang="en-US" b="1" dirty="0" err="1" smtClean="0"/>
+              <a:t>TaxiQueue</a:t>
+            </a:r>
+            <a:r>
+              <a:rPr lang="en-US" dirty="0" smtClean="0"/>
+              <a:t>: This component, with the required interfaces it needs, is the central point of our application because, as written before, it is responsible of the correct management of requests, users and drivers on whose the service provided by our application </a:t>
+            </a:r>
+            <a:r>
+              <a:rPr lang="en-US" dirty="0"/>
+              <a:t>is based.</a:t>
+            </a:r>
+            <a:endParaRPr lang="en-GB" dirty="0" smtClean="0"/>
           </a:p>
         </p:txBody>
       </p:sp>
@@ -8325,7 +8326,7 @@
     </p:spTree>
     <p:extLst>
       <p:ext uri="{BB962C8B-B14F-4D97-AF65-F5344CB8AC3E}">
-        <p14:creationId xmlns:p14="http://schemas.microsoft.com/office/powerpoint/2010/main" val="2888529192"/>
+        <p14:creationId xmlns:p14="http://schemas.microsoft.com/office/powerpoint/2010/main" val="2276339535"/>
       </p:ext>
     </p:extLst>
   </p:cSld>
@@ -8371,71 +8372,39 @@
         </p:nvSpPr>
         <p:spPr>
           <a:xfrm>
-            <a:off x="839788" y="718809"/>
-            <a:ext cx="3932237" cy="810126"/>
+            <a:off x="838200" y="537883"/>
+            <a:ext cx="10515600" cy="887505"/>
           </a:xfrm>
         </p:spPr>
         <p:txBody>
           <a:bodyPr>
-            <a:noAutofit/>
+            <a:normAutofit fontScale="90000"/>
           </a:bodyPr>
           <a:lstStyle/>
           <a:p>
             <a:pPr algn="ctr"/>
             <a:r>
-              <a:rPr lang="en-GB" sz="5400" b="1" dirty="0" smtClean="0"/>
-              <a:t>Runtime view </a:t>
+              <a:rPr lang="en-US" sz="5400" b="1" dirty="0"/>
+              <a:t>Selected architectural styles and patterns</a:t>
             </a:r>
             <a:endParaRPr lang="en-GB" sz="5400" b="1" dirty="0"/>
           </a:p>
         </p:txBody>
       </p:sp>
-      <p:pic>
-        <p:nvPicPr>
-          <p:cNvPr id="4" name="Content Placeholder 3"/>
-          <p:cNvPicPr>
-            <a:picLocks noGrp="1" noChangeAspect="1"/>
-          </p:cNvPicPr>
-          <p:nvPr>
-            <p:ph type="pic" idx="1"/>
-          </p:nvPr>
-        </p:nvPicPr>
-        <p:blipFill>
-          <a:blip r:embed="rId4">
-            <a:extLst>
-              <a:ext uri="{28A0092B-C50C-407E-A947-70E740481C1C}">
-                <a14:useLocalDpi xmlns:a14="http://schemas.microsoft.com/office/drawing/2010/main" val="0"/>
-              </a:ext>
-            </a:extLst>
-          </a:blip>
-          <a:stretch>
-            <a:fillRect/>
-          </a:stretch>
-        </p:blipFill>
-        <p:spPr>
-          <a:xfrm>
-            <a:off x="5502088" y="1"/>
-            <a:ext cx="6689911" cy="6857999"/>
-          </a:xfrm>
-          <a:prstGeom prst="rect">
-            <a:avLst/>
-          </a:prstGeom>
-        </p:spPr>
-      </p:pic>
-      <p:sp>
-        <p:nvSpPr>
-          <p:cNvPr id="6" name="Text Placeholder 5"/>
-          <p:cNvSpPr>
-            <a:spLocks noGrp="1"/>
-          </p:cNvSpPr>
-          <p:nvPr>
-            <p:ph type="body" sz="half" idx="2"/>
-          </p:nvPr>
-        </p:nvSpPr>
-        <p:spPr>
-          <a:xfrm>
-            <a:off x="839788" y="1668266"/>
-            <a:ext cx="3932237" cy="4884934"/>
+      <p:sp>
+        <p:nvSpPr>
+          <p:cNvPr id="3" name="Content Placeholder 2"/>
+          <p:cNvSpPr>
+            <a:spLocks noGrp="1"/>
+          </p:cNvSpPr>
+          <p:nvPr>
+            <p:ph idx="1"/>
+          </p:nvPr>
+        </p:nvSpPr>
+        <p:spPr>
+          <a:xfrm>
+            <a:off x="838200" y="1631576"/>
+            <a:ext cx="10515600" cy="4545387"/>
           </a:xfrm>
         </p:spPr>
         <p:txBody>
@@ -8444,73 +8413,57 @@
           </a:bodyPr>
           <a:lstStyle/>
           <a:p>
-            <a:pPr marL="0" lvl="1">
-              <a:spcBef>
-                <a:spcPts val="1000"/>
-              </a:spcBef>
-            </a:pPr>
-            <a:r>
-              <a:rPr lang="en-US" sz="1800" b="1" dirty="0" smtClean="0"/>
-              <a:t>Detailed request</a:t>
-            </a:r>
-          </a:p>
-          <a:p>
-            <a:pPr marL="0" lvl="1">
-              <a:spcBef>
-                <a:spcPts val="1000"/>
-              </a:spcBef>
-            </a:pPr>
-            <a:r>
-              <a:rPr lang="en-US" sz="1600" dirty="0" smtClean="0"/>
-              <a:t>After the user click on the Detailed request button, he is shown the detailed </a:t>
-            </a:r>
-            <a:r>
-              <a:rPr lang="en-GB" sz="1600" dirty="0" smtClean="0"/>
-              <a:t>request page.</a:t>
-            </a:r>
-          </a:p>
-          <a:p>
-            <a:pPr marL="0" lvl="1">
-              <a:spcBef>
-                <a:spcPts val="1000"/>
-              </a:spcBef>
-            </a:pPr>
-            <a:r>
-              <a:rPr lang="en-US" sz="1600" dirty="0" smtClean="0"/>
-              <a:t>The </a:t>
-            </a:r>
-            <a:r>
-              <a:rPr lang="en-US" sz="1600" dirty="0"/>
-              <a:t>user must fill the form and click on the Request button. The application will then check if all the fields are filled and if time and date are formally correct. If that's so, the system will wait until 10 minutes before the ride and then begin to allocate a taxi for the </a:t>
-            </a:r>
-            <a:r>
-              <a:rPr lang="en-US" sz="1600" dirty="0" smtClean="0"/>
-              <a:t>request.</a:t>
-            </a:r>
-          </a:p>
-          <a:p>
-            <a:pPr marL="0" lvl="1">
-              <a:spcBef>
-                <a:spcPts val="1000"/>
-              </a:spcBef>
-            </a:pPr>
-            <a:r>
-              <a:rPr lang="en-US" sz="1600" dirty="0" smtClean="0"/>
-              <a:t>The </a:t>
-            </a:r>
-            <a:r>
-              <a:rPr lang="en-US" sz="1600" dirty="0"/>
-              <a:t>following taxi allocation, queue management and notification works as the one in the simple request.</a:t>
-            </a:r>
-            <a:endParaRPr lang="en-GB" sz="1600" b="1" dirty="0"/>
-          </a:p>
-          <a:p>
-            <a:pPr marL="0" lvl="1">
-              <a:spcBef>
-                <a:spcPts val="1000"/>
-              </a:spcBef>
-            </a:pPr>
-            <a:endParaRPr lang="en-GB" sz="1600" dirty="0"/>
+            <a:r>
+              <a:rPr lang="en-US" dirty="0" err="1" smtClean="0"/>
+              <a:t>myTaxiService</a:t>
+            </a:r>
+            <a:r>
+              <a:rPr lang="en-US" dirty="0" smtClean="0"/>
+              <a:t> </a:t>
+            </a:r>
+            <a:r>
+              <a:rPr lang="en-US" dirty="0"/>
+              <a:t>will be developed under two main architectural </a:t>
+            </a:r>
+            <a:r>
+              <a:rPr lang="en-US" dirty="0" smtClean="0"/>
+              <a:t>styles/patterns:</a:t>
+            </a:r>
+          </a:p>
+          <a:p>
+            <a:pPr lvl="1"/>
+            <a:r>
+              <a:rPr lang="en-US" b="1" dirty="0" smtClean="0"/>
+              <a:t>MVC</a:t>
+            </a:r>
+            <a:r>
+              <a:rPr lang="en-US" dirty="0" smtClean="0"/>
+              <a:t> </a:t>
+            </a:r>
+            <a:r>
+              <a:rPr lang="en-US" dirty="0"/>
+              <a:t>architectural </a:t>
+            </a:r>
+            <a:r>
+              <a:rPr lang="en-US" dirty="0" smtClean="0"/>
+              <a:t>style</a:t>
+            </a:r>
+          </a:p>
+          <a:p>
+            <a:pPr lvl="1"/>
+            <a:r>
+              <a:rPr lang="en-US" b="1" dirty="0" smtClean="0"/>
+              <a:t>3 </a:t>
+            </a:r>
+            <a:r>
+              <a:rPr lang="en-US" b="1" dirty="0"/>
+              <a:t>tier Client/Server </a:t>
+            </a:r>
+            <a:r>
+              <a:rPr lang="en-US" dirty="0" smtClean="0"/>
+              <a:t>Architecture</a:t>
+            </a:r>
+            <a:endParaRPr lang="en-GB" dirty="0" smtClean="0"/>
           </a:p>
         </p:txBody>
       </p:sp>
@@ -8547,7 +8500,7 @@
     </p:spTree>
     <p:extLst>
       <p:ext uri="{BB962C8B-B14F-4D97-AF65-F5344CB8AC3E}">
-        <p14:creationId xmlns:p14="http://schemas.microsoft.com/office/powerpoint/2010/main" val="1232926536"/>
+        <p14:creationId xmlns:p14="http://schemas.microsoft.com/office/powerpoint/2010/main" val="2951887661"/>
       </p:ext>
     </p:extLst>
   </p:cSld>
@@ -8593,104 +8546,187 @@
         </p:nvSpPr>
         <p:spPr>
           <a:xfrm>
-            <a:off x="839788" y="718809"/>
-            <a:ext cx="3932237" cy="810126"/>
+            <a:off x="838200" y="537883"/>
+            <a:ext cx="10515600" cy="887505"/>
           </a:xfrm>
         </p:spPr>
         <p:txBody>
           <a:bodyPr>
-            <a:noAutofit/>
+            <a:normAutofit fontScale="90000"/>
           </a:bodyPr>
           <a:lstStyle/>
           <a:p>
             <a:pPr algn="ctr"/>
             <a:r>
-              <a:rPr lang="en-GB" sz="5400" b="1" dirty="0" smtClean="0"/>
-              <a:t>Runtime view </a:t>
+              <a:rPr lang="en-US" sz="5400" b="1" dirty="0"/>
+              <a:t>Selected architectural styles and patterns</a:t>
             </a:r>
             <a:endParaRPr lang="en-GB" sz="5400" b="1" dirty="0"/>
           </a:p>
         </p:txBody>
       </p:sp>
-      <p:pic>
-        <p:nvPicPr>
-          <p:cNvPr id="4" name="Content Placeholder 3"/>
-          <p:cNvPicPr>
-            <a:picLocks noGrp="1" noChangeAspect="1"/>
-          </p:cNvPicPr>
-          <p:nvPr>
-            <p:ph type="pic" idx="1"/>
-          </p:nvPr>
-        </p:nvPicPr>
-        <p:blipFill>
-          <a:blip r:embed="rId4">
-            <a:extLst>
-              <a:ext uri="{28A0092B-C50C-407E-A947-70E740481C1C}">
-                <a14:useLocalDpi xmlns:a14="http://schemas.microsoft.com/office/drawing/2010/main" val="0"/>
-              </a:ext>
-            </a:extLst>
-          </a:blip>
-          <a:stretch>
-            <a:fillRect/>
-          </a:stretch>
-        </p:blipFill>
-        <p:spPr>
-          <a:xfrm>
-            <a:off x="5773272" y="1433625"/>
-            <a:ext cx="5780895" cy="3981262"/>
-          </a:xfrm>
-          <a:prstGeom prst="rect">
-            <a:avLst/>
-          </a:prstGeom>
-        </p:spPr>
-      </p:pic>
-      <p:sp>
-        <p:nvSpPr>
-          <p:cNvPr id="6" name="Text Placeholder 5"/>
-          <p:cNvSpPr>
-            <a:spLocks noGrp="1"/>
-          </p:cNvSpPr>
-          <p:nvPr>
-            <p:ph type="body" sz="half" idx="2"/>
-          </p:nvPr>
-        </p:nvSpPr>
-        <p:spPr>
-          <a:xfrm>
-            <a:off x="839788" y="1668266"/>
-            <a:ext cx="3932237" cy="4884934"/>
+      <p:sp>
+        <p:nvSpPr>
+          <p:cNvPr id="3" name="Content Placeholder 2"/>
+          <p:cNvSpPr>
+            <a:spLocks noGrp="1"/>
+          </p:cNvSpPr>
+          <p:nvPr>
+            <p:ph idx="1"/>
+          </p:nvPr>
+        </p:nvSpPr>
+        <p:spPr>
+          <a:xfrm>
+            <a:off x="838200" y="1631576"/>
+            <a:ext cx="10515600" cy="4545387"/>
           </a:xfrm>
         </p:spPr>
         <p:txBody>
           <a:bodyPr>
-            <a:normAutofit/>
+            <a:normAutofit lnSpcReduction="10000"/>
           </a:bodyPr>
           <a:lstStyle/>
           <a:p>
-            <a:pPr marL="0" lvl="1">
-              <a:spcBef>
-                <a:spcPts val="1000"/>
-              </a:spcBef>
-            </a:pPr>
-            <a:r>
-              <a:rPr lang="en-US" sz="1800" b="1" dirty="0" smtClean="0"/>
-              <a:t>View free taxis</a:t>
-            </a:r>
-          </a:p>
-          <a:p>
-            <a:pPr marL="0" lvl="1">
-              <a:spcBef>
-                <a:spcPts val="1000"/>
-              </a:spcBef>
-            </a:pPr>
-            <a:r>
-              <a:rPr lang="en-US" sz="1600" dirty="0" smtClean="0"/>
-              <a:t>The </a:t>
-            </a:r>
-            <a:r>
-              <a:rPr lang="en-US" sz="1600" dirty="0"/>
-              <a:t>users can look at the number of available taxis in their zone. By clicking on the View available taxis button, the application will query the database about it, and then return the result to a new page.</a:t>
-            </a:r>
-            <a:endParaRPr lang="en-GB" sz="1600" b="1" dirty="0"/>
+            <a:r>
+              <a:rPr lang="en-US" b="1" dirty="0" smtClean="0"/>
+              <a:t>MVC Architecture Style (Model - View - Controller)</a:t>
+            </a:r>
+          </a:p>
+          <a:p>
+            <a:pPr lvl="1"/>
+            <a:r>
+              <a:rPr lang="en-US" dirty="0"/>
+              <a:t>MVC separates presentation and interaction from the system data. </a:t>
+            </a:r>
+            <a:r>
+              <a:rPr lang="en-US" dirty="0" smtClean="0"/>
+              <a:t>The system </a:t>
+            </a:r>
+            <a:r>
+              <a:rPr lang="en-US" dirty="0"/>
+              <a:t>is structured into three logical components that interact with </a:t>
+            </a:r>
+            <a:r>
+              <a:rPr lang="en-US" dirty="0" smtClean="0"/>
+              <a:t>each </a:t>
+            </a:r>
+            <a:r>
+              <a:rPr lang="en-GB" dirty="0" smtClean="0"/>
+              <a:t>other</a:t>
+            </a:r>
+            <a:r>
+              <a:rPr lang="en-GB" dirty="0"/>
+              <a:t>.</a:t>
+            </a:r>
+          </a:p>
+          <a:p>
+            <a:pPr lvl="2"/>
+            <a:r>
+              <a:rPr lang="en-US" dirty="0"/>
+              <a:t>1. The Model component that manages the system data and </a:t>
+            </a:r>
+            <a:r>
+              <a:rPr lang="en-US" dirty="0" smtClean="0"/>
+              <a:t>associated </a:t>
+            </a:r>
+            <a:r>
+              <a:rPr lang="en-GB" dirty="0" smtClean="0"/>
+              <a:t>operations </a:t>
+            </a:r>
+            <a:r>
+              <a:rPr lang="en-GB" dirty="0"/>
+              <a:t>on that data.</a:t>
+            </a:r>
+          </a:p>
+          <a:p>
+            <a:pPr lvl="2"/>
+            <a:r>
+              <a:rPr lang="en-US" dirty="0"/>
+              <a:t>2. The View component that denes and manages how the data is </a:t>
+            </a:r>
+            <a:r>
+              <a:rPr lang="en-US" dirty="0" smtClean="0"/>
+              <a:t>pre</a:t>
+            </a:r>
+            <a:r>
+              <a:rPr lang="en-GB" dirty="0" err="1" smtClean="0"/>
+              <a:t>sented</a:t>
+            </a:r>
+            <a:r>
+              <a:rPr lang="en-GB" dirty="0" smtClean="0"/>
+              <a:t> </a:t>
+            </a:r>
+            <a:r>
+              <a:rPr lang="en-GB" dirty="0"/>
+              <a:t>to the user.</a:t>
+            </a:r>
+          </a:p>
+          <a:p>
+            <a:pPr lvl="2"/>
+            <a:r>
+              <a:rPr lang="en-US" dirty="0"/>
+              <a:t>3. The Controller component that manages user interaction and </a:t>
+            </a:r>
+            <a:r>
+              <a:rPr lang="en-US" dirty="0" smtClean="0"/>
+              <a:t>passes these </a:t>
+            </a:r>
+            <a:r>
+              <a:rPr lang="en-US" dirty="0"/>
+              <a:t>interactions to the View and the Model</a:t>
+            </a:r>
+            <a:r>
+              <a:rPr lang="en-US" dirty="0" smtClean="0"/>
+              <a:t>.</a:t>
+            </a:r>
+          </a:p>
+          <a:p>
+            <a:pPr lvl="1"/>
+            <a:r>
+              <a:rPr lang="en-US" dirty="0"/>
+              <a:t>We will use this MVC Style for </a:t>
+            </a:r>
+            <a:r>
+              <a:rPr lang="en-US" dirty="0" err="1"/>
+              <a:t>myTaxi</a:t>
+            </a:r>
+            <a:r>
+              <a:rPr lang="en-US" dirty="0"/>
+              <a:t> system because there are </a:t>
+            </a:r>
+            <a:r>
+              <a:rPr lang="en-US" dirty="0" smtClean="0"/>
+              <a:t>multiple ways </a:t>
+            </a:r>
+            <a:r>
+              <a:rPr lang="en-US" dirty="0"/>
+              <a:t>to view and interact with the data. We have decided to use </a:t>
+            </a:r>
+            <a:r>
+              <a:rPr lang="en-US" dirty="0" smtClean="0"/>
+              <a:t>MVC architectural </a:t>
+            </a:r>
+            <a:r>
+              <a:rPr lang="en-US" dirty="0"/>
+              <a:t>style to separate the application logic with the </a:t>
+            </a:r>
+            <a:r>
+              <a:rPr lang="en-US" dirty="0" smtClean="0"/>
+              <a:t>interface. The </a:t>
+            </a:r>
+            <a:r>
+              <a:rPr lang="en-US" dirty="0"/>
+              <a:t>main advantage of this style is that it allows the data to </a:t>
+            </a:r>
+            <a:r>
+              <a:rPr lang="en-US" dirty="0" smtClean="0"/>
+              <a:t>change independently </a:t>
+            </a:r>
+            <a:r>
+              <a:rPr lang="en-US" dirty="0"/>
+              <a:t>of its representation and vice versa.</a:t>
+            </a:r>
+            <a:endParaRPr lang="en-GB" b="1" dirty="0" smtClean="0"/>
           </a:p>
         </p:txBody>
       </p:sp>
@@ -8727,7 +8763,7 @@
     </p:spTree>
     <p:extLst>
       <p:ext uri="{BB962C8B-B14F-4D97-AF65-F5344CB8AC3E}">
-        <p14:creationId xmlns:p14="http://schemas.microsoft.com/office/powerpoint/2010/main" val="919176980"/>
+        <p14:creationId xmlns:p14="http://schemas.microsoft.com/office/powerpoint/2010/main" val="1899649741"/>
       </p:ext>
     </p:extLst>
   </p:cSld>
@@ -8918,71 +8954,39 @@
         </p:nvSpPr>
         <p:spPr>
           <a:xfrm>
-            <a:off x="839788" y="718809"/>
-            <a:ext cx="3932237" cy="810126"/>
+            <a:off x="838200" y="537883"/>
+            <a:ext cx="10515600" cy="887505"/>
           </a:xfrm>
         </p:spPr>
         <p:txBody>
           <a:bodyPr>
-            <a:noAutofit/>
+            <a:normAutofit fontScale="90000"/>
           </a:bodyPr>
           <a:lstStyle/>
           <a:p>
             <a:pPr algn="ctr"/>
             <a:r>
-              <a:rPr lang="en-GB" sz="5400" b="1" dirty="0" smtClean="0"/>
-              <a:t>Runtime view </a:t>
+              <a:rPr lang="en-US" sz="5400" b="1" dirty="0"/>
+              <a:t>Selected architectural styles and patterns</a:t>
             </a:r>
             <a:endParaRPr lang="en-GB" sz="5400" b="1" dirty="0"/>
           </a:p>
         </p:txBody>
       </p:sp>
-      <p:pic>
-        <p:nvPicPr>
-          <p:cNvPr id="4" name="Content Placeholder 3"/>
-          <p:cNvPicPr>
-            <a:picLocks noGrp="1" noChangeAspect="1"/>
-          </p:cNvPicPr>
-          <p:nvPr>
-            <p:ph type="pic" idx="1"/>
-          </p:nvPr>
-        </p:nvPicPr>
-        <p:blipFill>
-          <a:blip r:embed="rId4">
-            <a:extLst>
-              <a:ext uri="{28A0092B-C50C-407E-A947-70E740481C1C}">
-                <a14:useLocalDpi xmlns:a14="http://schemas.microsoft.com/office/drawing/2010/main" val="0"/>
-              </a:ext>
-            </a:extLst>
-          </a:blip>
-          <a:stretch>
-            <a:fillRect/>
-          </a:stretch>
-        </p:blipFill>
-        <p:spPr>
-          <a:xfrm>
-            <a:off x="5773272" y="1591209"/>
-            <a:ext cx="5780895" cy="3666095"/>
-          </a:xfrm>
-          <a:prstGeom prst="rect">
-            <a:avLst/>
-          </a:prstGeom>
-        </p:spPr>
-      </p:pic>
-      <p:sp>
-        <p:nvSpPr>
-          <p:cNvPr id="6" name="Text Placeholder 5"/>
-          <p:cNvSpPr>
-            <a:spLocks noGrp="1"/>
-          </p:cNvSpPr>
-          <p:nvPr>
-            <p:ph type="body" sz="half" idx="2"/>
-          </p:nvPr>
-        </p:nvSpPr>
-        <p:spPr>
-          <a:xfrm>
-            <a:off x="839788" y="1668266"/>
-            <a:ext cx="3932237" cy="4884934"/>
+      <p:sp>
+        <p:nvSpPr>
+          <p:cNvPr id="3" name="Content Placeholder 2"/>
+          <p:cNvSpPr>
+            <a:spLocks noGrp="1"/>
+          </p:cNvSpPr>
+          <p:nvPr>
+            <p:ph idx="1"/>
+          </p:nvPr>
+        </p:nvSpPr>
+        <p:spPr>
+          <a:xfrm>
+            <a:off x="838200" y="1631576"/>
+            <a:ext cx="10515600" cy="4545387"/>
           </a:xfrm>
         </p:spPr>
         <p:txBody>
@@ -8991,31 +8995,83 @@
           </a:bodyPr>
           <a:lstStyle/>
           <a:p>
-            <a:pPr marL="0" lvl="1">
-              <a:spcBef>
-                <a:spcPts val="1000"/>
-              </a:spcBef>
-            </a:pPr>
-            <a:r>
-              <a:rPr lang="en-US" sz="1800" b="1" dirty="0" smtClean="0"/>
-              <a:t>Be available</a:t>
-            </a:r>
-          </a:p>
-          <a:p>
-            <a:pPr marL="0" lvl="1">
-              <a:spcBef>
-                <a:spcPts val="1000"/>
-              </a:spcBef>
-            </a:pPr>
-            <a:r>
-              <a:rPr lang="en-US" sz="1600" dirty="0" smtClean="0"/>
-              <a:t>The </a:t>
-            </a:r>
-            <a:r>
-              <a:rPr lang="en-US" sz="1600" dirty="0"/>
-              <a:t>drivers can use the switch on their personal page to toggle their own availability. After the button is switched, the application changes in the database the available field of the driver from false to true or vice versa.</a:t>
-            </a:r>
-            <a:endParaRPr lang="en-GB" sz="1600" b="1" dirty="0"/>
+            <a:r>
+              <a:rPr lang="en-GB" b="1" dirty="0"/>
+              <a:t>Three-Tier Client Server Architecture</a:t>
+            </a:r>
+          </a:p>
+          <a:p>
+            <a:pPr lvl="1"/>
+            <a:r>
+              <a:rPr lang="en-US" dirty="0"/>
+              <a:t>In a client-server architecture, the functionality of the system is </a:t>
+            </a:r>
+            <a:r>
+              <a:rPr lang="en-US" dirty="0" smtClean="0"/>
+              <a:t>organized into </a:t>
+            </a:r>
+            <a:r>
+              <a:rPr lang="en-US" dirty="0"/>
+              <a:t>services, with each service delivered from a separate server. </a:t>
+            </a:r>
+            <a:r>
+              <a:rPr lang="en-US" dirty="0" smtClean="0"/>
+              <a:t>Clients are </a:t>
+            </a:r>
+            <a:r>
+              <a:rPr lang="en-US" dirty="0"/>
+              <a:t>users of these services and access servers to make use of </a:t>
+            </a:r>
+            <a:r>
+              <a:rPr lang="en-US" dirty="0" smtClean="0"/>
+              <a:t>them. We will </a:t>
+            </a:r>
+            <a:r>
+              <a:rPr lang="en-US" dirty="0"/>
+              <a:t>use this 3-Tier Client Server Architecture, because data in a </a:t>
+            </a:r>
+            <a:r>
+              <a:rPr lang="en-US" dirty="0" smtClean="0"/>
+              <a:t>shared database </a:t>
+            </a:r>
+            <a:r>
+              <a:rPr lang="en-US" dirty="0"/>
+              <a:t>has to be accessed from a range of locations, in this way </a:t>
+            </a:r>
+            <a:r>
+              <a:rPr lang="en-US" dirty="0" smtClean="0"/>
+              <a:t>servers can </a:t>
+            </a:r>
+            <a:r>
+              <a:rPr lang="en-US" dirty="0"/>
+              <a:t>be replicated. In particular, there are three tiers</a:t>
+            </a:r>
+            <a:r>
+              <a:rPr lang="en-US" dirty="0" smtClean="0"/>
+              <a:t>:	</a:t>
+            </a:r>
+          </a:p>
+          <a:p>
+            <a:pPr lvl="2"/>
+            <a:r>
+              <a:rPr lang="en-US" b="1" dirty="0" smtClean="0"/>
+              <a:t>Data Tier</a:t>
+            </a:r>
+          </a:p>
+          <a:p>
+            <a:pPr lvl="2"/>
+            <a:r>
+              <a:rPr lang="en-US" b="1" dirty="0" smtClean="0"/>
+              <a:t>Application Tier</a:t>
+            </a:r>
+          </a:p>
+          <a:p>
+            <a:pPr lvl="2"/>
+            <a:r>
+              <a:rPr lang="en-US" b="1" dirty="0" smtClean="0"/>
+              <a:t>Client Tier</a:t>
+            </a:r>
+            <a:endParaRPr lang="en-GB" b="1" dirty="0" smtClean="0"/>
           </a:p>
         </p:txBody>
       </p:sp>
@@ -9052,7 +9108,7 @@
     </p:spTree>
     <p:extLst>
       <p:ext uri="{BB962C8B-B14F-4D97-AF65-F5344CB8AC3E}">
-        <p14:creationId xmlns:p14="http://schemas.microsoft.com/office/powerpoint/2010/main" val="184667998"/>
+        <p14:creationId xmlns:p14="http://schemas.microsoft.com/office/powerpoint/2010/main" val="2927950939"/>
       </p:ext>
     </p:extLst>
   </p:cSld>
@@ -9104,14 +9160,14 @@
         </p:spPr>
         <p:txBody>
           <a:bodyPr>
-            <a:normAutofit/>
+            <a:normAutofit fontScale="90000"/>
           </a:bodyPr>
           <a:lstStyle/>
           <a:p>
             <a:pPr algn="ctr"/>
             <a:r>
-              <a:rPr lang="en-GB" sz="5400" b="1" dirty="0" smtClean="0"/>
-              <a:t>Component interfaces</a:t>
+              <a:rPr lang="en-US" sz="5400" b="1" dirty="0"/>
+              <a:t>Selected architectural styles and patterns</a:t>
             </a:r>
             <a:endParaRPr lang="en-GB" sz="5400" b="1" dirty="0"/>
           </a:p>
@@ -9135,122 +9191,181 @@
         </p:spPr>
         <p:txBody>
           <a:bodyPr>
-            <a:normAutofit/>
+            <a:normAutofit fontScale="92500" lnSpcReduction="20000"/>
           </a:bodyPr>
           <a:lstStyle/>
           <a:p>
             <a:r>
-              <a:rPr lang="en-GB" b="1" dirty="0" err="1" smtClean="0"/>
-              <a:t>AccessManager</a:t>
-            </a:r>
-            <a:endParaRPr lang="en-GB" b="1" dirty="0"/>
+              <a:rPr lang="en-GB" b="1" dirty="0"/>
+              <a:t>Data </a:t>
+            </a:r>
+            <a:r>
+              <a:rPr lang="en-GB" b="1" dirty="0" smtClean="0"/>
+              <a:t>Tier</a:t>
+            </a:r>
+            <a:endParaRPr lang="en-GB" dirty="0" smtClean="0"/>
           </a:p>
           <a:p>
             <a:pPr lvl="1"/>
             <a:r>
-              <a:rPr lang="en-US" b="1" dirty="0" err="1" smtClean="0"/>
-              <a:t>Registration:Register</a:t>
-            </a:r>
-            <a:r>
-              <a:rPr lang="en-US" dirty="0"/>
-              <a:t> </a:t>
-            </a:r>
-            <a:r>
               <a:rPr lang="en-US" dirty="0" smtClean="0"/>
-              <a:t>-  </a:t>
-            </a:r>
-            <a:r>
-              <a:rPr lang="en-US" dirty="0"/>
-              <a:t>This interface allows a guest to register </a:t>
+              <a:t>The </a:t>
+            </a:r>
+            <a:r>
+              <a:rPr lang="en-US" dirty="0"/>
+              <a:t>data tier maintains the applications data such as Users' </a:t>
             </a:r>
             <a:r>
               <a:rPr lang="en-US" dirty="0" smtClean="0"/>
-              <a:t>himself into </a:t>
-            </a:r>
-            <a:r>
-              <a:rPr lang="en-US" dirty="0"/>
-              <a:t>the system by giving the mandatory information.</a:t>
+              <a:t>data, Drivers</a:t>
+            </a:r>
+            <a:r>
+              <a:rPr lang="en-US" dirty="0"/>
+              <a:t>' data, Request data, </a:t>
+            </a:r>
+            <a:r>
+              <a:rPr lang="en-US" dirty="0" err="1"/>
+              <a:t>TaxiQueue</a:t>
+            </a:r>
+            <a:r>
+              <a:rPr lang="en-US" dirty="0"/>
+              <a:t> data and the SQL </a:t>
+            </a:r>
+            <a:r>
+              <a:rPr lang="en-US" dirty="0" smtClean="0"/>
+              <a:t>queries. It </a:t>
+            </a:r>
+            <a:r>
+              <a:rPr lang="en-US" dirty="0"/>
+              <a:t>stores these data in a relational database management </a:t>
+            </a:r>
+            <a:r>
+              <a:rPr lang="en-US" dirty="0" smtClean="0"/>
+              <a:t>system (RDBMS</a:t>
+            </a:r>
+            <a:r>
+              <a:rPr lang="en-US" dirty="0"/>
+              <a:t>). All the connections with the RDBMS are managed </a:t>
+            </a:r>
+            <a:r>
+              <a:rPr lang="en-US" dirty="0" smtClean="0"/>
+              <a:t>in </a:t>
+            </a:r>
+            <a:r>
+              <a:rPr lang="en-GB" dirty="0" smtClean="0"/>
+              <a:t>this </a:t>
+            </a:r>
+            <a:r>
+              <a:rPr lang="en-GB" dirty="0"/>
+              <a:t>tier</a:t>
+            </a:r>
+            <a:r>
+              <a:rPr lang="en-GB" dirty="0" smtClean="0"/>
+              <a:t>.</a:t>
+            </a:r>
+          </a:p>
+          <a:p>
+            <a:r>
+              <a:rPr lang="en-GB" b="1" dirty="0"/>
+              <a:t>Application Tier</a:t>
             </a:r>
           </a:p>
           <a:p>
             <a:pPr lvl="1"/>
             <a:r>
-              <a:rPr lang="en-US" b="1" dirty="0" err="1" smtClean="0"/>
-              <a:t>Authentication:Login</a:t>
-            </a:r>
-            <a:r>
-              <a:rPr lang="en-US" dirty="0"/>
-              <a:t> </a:t>
+              <a:rPr lang="en-US" dirty="0"/>
+              <a:t>The application tier (web/application server) implements the </a:t>
             </a:r>
             <a:r>
               <a:rPr lang="en-US" dirty="0" smtClean="0"/>
-              <a:t>-  </a:t>
-            </a:r>
-            <a:r>
-              <a:rPr lang="en-US" dirty="0"/>
-              <a:t>This is the interface that allows the </a:t>
+              <a:t>business </a:t>
+            </a:r>
+            <a:r>
+              <a:rPr lang="en-US" dirty="0"/>
+              <a:t>logic, controller logic and presentation logic to control the </a:t>
             </a:r>
             <a:r>
               <a:rPr lang="en-US" dirty="0" smtClean="0"/>
-              <a:t>users/drivers to </a:t>
-            </a:r>
-            <a:r>
-              <a:rPr lang="en-US" dirty="0"/>
-              <a:t>log into the system. This will guide the user/driver to his </a:t>
+              <a:t>interaction </a:t>
+            </a:r>
+            <a:r>
+              <a:rPr lang="en-US" dirty="0"/>
+              <a:t>between the application's clients and data. Business </a:t>
             </a:r>
             <a:r>
               <a:rPr lang="en-US" dirty="0" smtClean="0"/>
-              <a:t>relative </a:t>
-            </a:r>
-            <a:r>
-              <a:rPr lang="en-GB" dirty="0" smtClean="0"/>
-              <a:t>home page.</a:t>
-            </a:r>
-          </a:p>
-          <a:p>
-            <a:r>
-              <a:rPr lang="en-GB" b="1" dirty="0" err="1"/>
-              <a:t>DataManager</a:t>
-            </a:r>
-            <a:endParaRPr lang="en-GB" b="1" dirty="0"/>
+              <a:t>rules enforced </a:t>
+            </a:r>
+            <a:r>
+              <a:rPr lang="en-US" dirty="0"/>
+              <a:t>by the business logic dictate how clients can't access </a:t>
+            </a:r>
+            <a:r>
+              <a:rPr lang="en-US" dirty="0" smtClean="0"/>
+              <a:t>application </a:t>
+            </a:r>
+            <a:r>
+              <a:rPr lang="en-US" dirty="0"/>
+              <a:t>data directly and how applications process data.</a:t>
+            </a:r>
+          </a:p>
+          <a:p>
+            <a:r>
+              <a:rPr lang="en-GB" b="1" dirty="0" smtClean="0"/>
+              <a:t>Client </a:t>
+            </a:r>
+            <a:r>
+              <a:rPr lang="en-GB" b="1" dirty="0"/>
+              <a:t>Tier</a:t>
+            </a:r>
           </a:p>
           <a:p>
             <a:pPr lvl="1"/>
             <a:r>
-              <a:rPr lang="en-US" b="1" dirty="0" err="1"/>
-              <a:t>AddData</a:t>
-            </a:r>
-            <a:r>
-              <a:rPr lang="en-US" dirty="0"/>
-              <a:t>: This component uses interfaces provided by other components in order to grant a major grade of security to the data tier interposing between the presentation tier and the data one.</a:t>
-            </a:r>
-          </a:p>
-          <a:p>
-            <a:pPr lvl="1"/>
-            <a:r>
-              <a:rPr lang="en-US" b="1" dirty="0" err="1"/>
-              <a:t>QueryData</a:t>
-            </a:r>
-            <a:r>
-              <a:rPr lang="en-US" dirty="0"/>
-              <a:t>: This component, like </a:t>
-            </a:r>
-            <a:r>
-              <a:rPr lang="en-US" dirty="0" err="1"/>
-              <a:t>AddData</a:t>
-            </a:r>
-            <a:r>
-              <a:rPr lang="en-US" dirty="0"/>
-              <a:t>, communicates with the data tier querying it in order to check user's information given by the </a:t>
-            </a:r>
-            <a:r>
-              <a:rPr lang="en-GB" dirty="0"/>
-              <a:t>user interface.</a:t>
-            </a:r>
-          </a:p>
-          <a:p>
-            <a:pPr lvl="1"/>
-            <a:endParaRPr lang="en-GB" dirty="0" smtClean="0"/>
+              <a:rPr lang="en-US" dirty="0"/>
+              <a:t>The client tier is the application's user interface connecting data </a:t>
+            </a:r>
+            <a:r>
+              <a:rPr lang="en-US" dirty="0" smtClean="0"/>
+              <a:t>entry forms </a:t>
+            </a:r>
+            <a:r>
+              <a:rPr lang="en-US" dirty="0"/>
+              <a:t>and client side applications. It displays data to the user. </a:t>
+            </a:r>
+            <a:r>
+              <a:rPr lang="en-US" dirty="0" smtClean="0"/>
+              <a:t>User interact </a:t>
+            </a:r>
+            <a:r>
+              <a:rPr lang="en-US" dirty="0"/>
+              <a:t>directly with the application through user interface. </a:t>
+            </a:r>
+            <a:r>
+              <a:rPr lang="en-US" dirty="0" smtClean="0"/>
+              <a:t>The client </a:t>
+            </a:r>
+            <a:r>
+              <a:rPr lang="en-US" dirty="0"/>
+              <a:t>tier interacts with the web/application server to make </a:t>
+            </a:r>
+            <a:r>
+              <a:rPr lang="en-US" dirty="0" smtClean="0"/>
+              <a:t>requests and </a:t>
+            </a:r>
+            <a:r>
+              <a:rPr lang="en-US" dirty="0"/>
+              <a:t>to retrieve data from the database. It then displays to the </a:t>
+            </a:r>
+            <a:r>
+              <a:rPr lang="en-US" dirty="0" smtClean="0"/>
+              <a:t>user the </a:t>
+            </a:r>
+            <a:r>
+              <a:rPr lang="en-US" dirty="0"/>
+              <a:t>data retrieved from the server.</a:t>
+            </a:r>
+            <a:endParaRPr lang="en-GB" b="1" dirty="0" smtClean="0"/>
           </a:p>
         </p:txBody>
       </p:sp>
@@ -9287,7 +9402,7 @@
     </p:spTree>
     <p:extLst>
       <p:ext uri="{BB962C8B-B14F-4D97-AF65-F5344CB8AC3E}">
-        <p14:creationId xmlns:p14="http://schemas.microsoft.com/office/powerpoint/2010/main" val="2030204333"/>
+        <p14:creationId xmlns:p14="http://schemas.microsoft.com/office/powerpoint/2010/main" val="1887418933"/>
       </p:ext>
     </p:extLst>
   </p:cSld>
@@ -9333,8 +9448,71 @@
         </p:nvSpPr>
         <p:spPr>
           <a:xfrm>
-            <a:off x="838200" y="537883"/>
-            <a:ext cx="10515600" cy="887505"/>
+            <a:off x="839788" y="457200"/>
+            <a:ext cx="3932237" cy="810126"/>
+          </a:xfrm>
+        </p:spPr>
+        <p:txBody>
+          <a:bodyPr>
+            <a:normAutofit fontScale="90000"/>
+          </a:bodyPr>
+          <a:lstStyle/>
+          <a:p>
+            <a:pPr algn="ctr"/>
+            <a:r>
+              <a:rPr lang="en-GB" sz="5400" b="1" dirty="0" smtClean="0"/>
+              <a:t> </a:t>
+            </a:r>
+            <a:endParaRPr lang="en-GB" sz="5400" b="1" dirty="0"/>
+          </a:p>
+        </p:txBody>
+      </p:sp>
+      <p:pic>
+        <p:nvPicPr>
+          <p:cNvPr id="4" name="Content Placeholder 3"/>
+          <p:cNvPicPr>
+            <a:picLocks noGrp="1" noChangeAspect="1"/>
+          </p:cNvPicPr>
+          <p:nvPr>
+            <p:ph type="pic" idx="1"/>
+          </p:nvPr>
+        </p:nvPicPr>
+        <p:blipFill>
+          <a:blip r:embed="rId3">
+            <a:extLst>
+              <a:ext uri="{28A0092B-C50C-407E-A947-70E740481C1C}">
+                <a14:useLocalDpi xmlns:a14="http://schemas.microsoft.com/office/drawing/2010/main" val="0"/>
+              </a:ext>
+            </a:extLst>
+          </a:blip>
+          <a:stretch>
+            <a:fillRect/>
+          </a:stretch>
+        </p:blipFill>
+        <p:spPr>
+          <a:xfrm>
+            <a:off x="5183188" y="1409225"/>
+            <a:ext cx="6172200" cy="4030025"/>
+          </a:xfrm>
+          <a:prstGeom prst="rect">
+            <a:avLst/>
+          </a:prstGeom>
+        </p:spPr>
+      </p:pic>
+      <p:sp>
+        <p:nvSpPr>
+          <p:cNvPr id="6" name="Text Placeholder 5"/>
+          <p:cNvSpPr>
+            <a:spLocks noGrp="1"/>
+          </p:cNvSpPr>
+          <p:nvPr>
+            <p:ph type="body" sz="half" idx="2"/>
+          </p:nvPr>
+        </p:nvSpPr>
+        <p:spPr>
+          <a:xfrm>
+            <a:off x="839788" y="1267326"/>
+            <a:ext cx="3932237" cy="4601662"/>
           </a:xfrm>
         </p:spPr>
         <p:txBody>
@@ -9343,117 +9521,59 @@
           </a:bodyPr>
           <a:lstStyle/>
           <a:p>
-            <a:pPr algn="ctr"/>
-            <a:r>
-              <a:rPr lang="en-GB" sz="5400" b="1" dirty="0" smtClean="0"/>
-              <a:t>Component interfaces</a:t>
-            </a:r>
-            <a:endParaRPr lang="en-GB" sz="5400" b="1" dirty="0"/>
-          </a:p>
-        </p:txBody>
-      </p:sp>
-      <p:sp>
-        <p:nvSpPr>
-          <p:cNvPr id="3" name="Content Placeholder 2"/>
-          <p:cNvSpPr>
-            <a:spLocks noGrp="1"/>
-          </p:cNvSpPr>
-          <p:nvPr>
-            <p:ph idx="1"/>
-          </p:nvPr>
-        </p:nvSpPr>
-        <p:spPr>
-          <a:xfrm>
-            <a:off x="838200" y="1631576"/>
-            <a:ext cx="10515600" cy="4545387"/>
-          </a:xfrm>
-        </p:spPr>
-        <p:txBody>
-          <a:bodyPr>
-            <a:normAutofit/>
-          </a:bodyPr>
-          <a:lstStyle/>
-          <a:p>
-            <a:r>
-              <a:rPr lang="en-GB" b="1" dirty="0"/>
-              <a:t>Database</a:t>
-            </a:r>
-          </a:p>
-          <a:p>
-            <a:pPr lvl="1"/>
-            <a:r>
-              <a:rPr lang="en-US" dirty="0" smtClean="0"/>
-              <a:t>The </a:t>
-            </a:r>
-            <a:r>
-              <a:rPr lang="en-US" dirty="0"/>
-              <a:t>relevant interfaces given by this tier are the most common </a:t>
-            </a:r>
-            <a:r>
-              <a:rPr lang="en-US" dirty="0" smtClean="0"/>
-              <a:t>known methods </a:t>
-            </a:r>
-            <a:r>
-              <a:rPr lang="en-US" dirty="0"/>
-              <a:t>through which it's possible to operate, manipulate and </a:t>
-            </a:r>
-            <a:r>
-              <a:rPr lang="en-US" dirty="0" smtClean="0"/>
-              <a:t>query</a:t>
-            </a:r>
-            <a:r>
-              <a:rPr lang="en-GB" dirty="0" err="1" smtClean="0"/>
-              <a:t>ing</a:t>
-            </a:r>
-            <a:r>
-              <a:rPr lang="en-GB" dirty="0" smtClean="0"/>
-              <a:t> </a:t>
-            </a:r>
-            <a:r>
-              <a:rPr lang="en-GB" dirty="0"/>
-              <a:t>a database</a:t>
-            </a:r>
-            <a:r>
-              <a:rPr lang="en-GB" dirty="0" smtClean="0"/>
-              <a:t>.</a:t>
-            </a:r>
-          </a:p>
-          <a:p>
-            <a:r>
-              <a:rPr lang="en-GB" b="1" dirty="0"/>
-              <a:t>Driver</a:t>
-            </a:r>
-          </a:p>
-          <a:p>
-            <a:pPr lvl="1"/>
-            <a:r>
-              <a:rPr lang="en-US" b="1" dirty="0" err="1"/>
-              <a:t>BeAvailable:Informs_About_Availability</a:t>
-            </a:r>
-            <a:r>
-              <a:rPr lang="en-US" dirty="0"/>
-              <a:t> -  This is the interface that allows a driver to inform the system about his current availability. It can be changed by both system and driver according to what is </a:t>
-            </a:r>
-            <a:r>
-              <a:rPr lang="en-GB" dirty="0"/>
-              <a:t>written in the RASD.</a:t>
-            </a:r>
-          </a:p>
-          <a:p>
-            <a:pPr lvl="1"/>
-            <a:r>
-              <a:rPr lang="en-US" b="1" dirty="0" err="1"/>
-              <a:t>Confirmation:Accept</a:t>
-            </a:r>
-            <a:r>
-              <a:rPr lang="en-US" dirty="0"/>
-              <a:t> -  This is the interface through which a driver can accept an incoming user's request forwarded by the system.</a:t>
-            </a:r>
-            <a:endParaRPr lang="en-GB" dirty="0"/>
-          </a:p>
-          <a:p>
-            <a:pPr lvl="1"/>
-            <a:endParaRPr lang="en-GB" dirty="0" smtClean="0"/>
+            <a:r>
+              <a:rPr lang="en-US" sz="2400" dirty="0"/>
+              <a:t>In the </a:t>
+            </a:r>
+            <a:r>
+              <a:rPr lang="en-US" sz="2400" dirty="0" smtClean="0"/>
+              <a:t>picture it's </a:t>
+            </a:r>
+            <a:r>
+              <a:rPr lang="en-US" sz="2400" dirty="0"/>
+              <a:t>shown how we have combined the two </a:t>
+            </a:r>
+            <a:r>
+              <a:rPr lang="en-US" sz="2400" dirty="0" smtClean="0"/>
+              <a:t>styles/patterns. On the </a:t>
+            </a:r>
+            <a:r>
+              <a:rPr lang="en-US" sz="2400" dirty="0"/>
+              <a:t>presentation tier we have the view and the controller that invokes </a:t>
+            </a:r>
+            <a:r>
+              <a:rPr lang="en-US" sz="2400" dirty="0" smtClean="0"/>
+              <a:t>methods on </a:t>
+            </a:r>
+            <a:r>
+              <a:rPr lang="en-US" sz="2400" dirty="0"/>
+              <a:t>the model in which there are </a:t>
+            </a:r>
+            <a:r>
+              <a:rPr lang="en-US" sz="2400" dirty="0" smtClean="0"/>
+              <a:t>the two other </a:t>
+            </a:r>
+            <a:r>
+              <a:rPr lang="en-US" sz="2400" dirty="0"/>
+              <a:t>tiers. In particular, a change </a:t>
+            </a:r>
+            <a:r>
+              <a:rPr lang="en-US" sz="2400" dirty="0" smtClean="0"/>
+              <a:t>in the </a:t>
+            </a:r>
+            <a:r>
+              <a:rPr lang="en-US" sz="2400" dirty="0"/>
+              <a:t>model come from the controller to the application tier which then </a:t>
+            </a:r>
+            <a:r>
+              <a:rPr lang="en-US" sz="2400" dirty="0" smtClean="0"/>
+              <a:t>forwards it </a:t>
+            </a:r>
+            <a:r>
+              <a:rPr lang="en-US" sz="2400" dirty="0"/>
+              <a:t>to the data tier.</a:t>
+            </a:r>
+            <a:endParaRPr lang="en-GB" sz="2400" dirty="0"/>
           </a:p>
         </p:txBody>
       </p:sp>
@@ -9490,7 +9610,7 @@
     </p:spTree>
     <p:extLst>
       <p:ext uri="{BB962C8B-B14F-4D97-AF65-F5344CB8AC3E}">
-        <p14:creationId xmlns:p14="http://schemas.microsoft.com/office/powerpoint/2010/main" val="2991816599"/>
+        <p14:creationId xmlns:p14="http://schemas.microsoft.com/office/powerpoint/2010/main" val="2697739837"/>
       </p:ext>
     </p:extLst>
   </p:cSld>
@@ -9548,8 +9668,8 @@
           <a:p>
             <a:pPr algn="ctr"/>
             <a:r>
-              <a:rPr lang="en-GB" sz="5400" b="1" dirty="0" smtClean="0"/>
-              <a:t>Component interfaces</a:t>
+              <a:rPr lang="en-US" sz="5400" b="1" dirty="0" smtClean="0"/>
+              <a:t>Other design decisions</a:t>
             </a:r>
             <a:endParaRPr lang="en-GB" sz="5400" b="1" dirty="0"/>
           </a:p>
@@ -9573,140 +9693,106 @@
         </p:spPr>
         <p:txBody>
           <a:bodyPr>
-            <a:normAutofit/>
+            <a:normAutofit lnSpcReduction="10000"/>
           </a:bodyPr>
           <a:lstStyle/>
           <a:p>
             <a:r>
-              <a:rPr lang="en-GB" b="1" dirty="0" smtClean="0"/>
-              <a:t>User</a:t>
-            </a:r>
-            <a:endParaRPr lang="en-GB" b="1" dirty="0"/>
+              <a:rPr lang="en-US" dirty="0"/>
+              <a:t>Object oriented software development methods</a:t>
+            </a:r>
           </a:p>
           <a:p>
             <a:pPr lvl="1"/>
             <a:r>
-              <a:rPr lang="en-US" b="1" dirty="0" err="1" smtClean="0"/>
-              <a:t>SimpleRequest:Simple_Request</a:t>
-            </a:r>
-            <a:r>
-              <a:rPr lang="en-US" dirty="0"/>
-              <a:t> </a:t>
-            </a:r>
+              <a:rPr lang="en-GB" dirty="0"/>
+              <a:t> Improved software maintainability</a:t>
+            </a:r>
+          </a:p>
+          <a:p>
+            <a:pPr lvl="1"/>
+            <a:r>
+              <a:rPr lang="en-GB" dirty="0"/>
+              <a:t> Faster development</a:t>
+            </a:r>
+          </a:p>
+          <a:p>
+            <a:pPr lvl="1"/>
+            <a:r>
+              <a:rPr lang="en-GB" dirty="0"/>
+              <a:t> Lower cost development</a:t>
+            </a:r>
+          </a:p>
+          <a:p>
+            <a:pPr lvl="1"/>
+            <a:r>
+              <a:rPr lang="en-GB" dirty="0"/>
+              <a:t> Improved software development productivity</a:t>
+            </a:r>
+          </a:p>
+          <a:p>
+            <a:pPr lvl="1"/>
+            <a:r>
+              <a:rPr lang="en-GB" dirty="0"/>
+              <a:t> Higher quality </a:t>
+            </a:r>
+            <a:r>
+              <a:rPr lang="en-GB" dirty="0" smtClean="0"/>
+              <a:t>software</a:t>
+            </a:r>
+          </a:p>
+          <a:p>
+            <a:r>
+              <a:rPr lang="en-GB" dirty="0"/>
+              <a:t>Three-tier client server architecture</a:t>
+            </a:r>
+          </a:p>
+          <a:p>
+            <a:pPr lvl="1"/>
             <a:r>
               <a:rPr lang="en-US" dirty="0" smtClean="0"/>
-              <a:t>-  </a:t>
-            </a:r>
-            <a:r>
-              <a:rPr lang="en-US" dirty="0"/>
-              <a:t>This is the interface that allows </a:t>
+              <a:t>As </a:t>
+            </a:r>
+            <a:r>
+              <a:rPr lang="en-US" dirty="0"/>
+              <a:t>more users access the system a three-tier solution is more </a:t>
             </a:r>
             <a:r>
               <a:rPr lang="en-US" dirty="0" smtClean="0"/>
-              <a:t>the users </a:t>
-            </a:r>
-            <a:r>
-              <a:rPr lang="en-US" dirty="0"/>
-              <a:t>to ask for a taxi for a simple ride.</a:t>
+              <a:t>scalable than </a:t>
+            </a:r>
+            <a:r>
+              <a:rPr lang="en-US" dirty="0"/>
+              <a:t>the other solutions because you can add as many middle </a:t>
+            </a:r>
+            <a:r>
+              <a:rPr lang="en-US" dirty="0" smtClean="0"/>
+              <a:t>tiers as </a:t>
+            </a:r>
+            <a:r>
+              <a:rPr lang="en-US" dirty="0"/>
+              <a:t>needed to ensure good performance.</a:t>
             </a:r>
           </a:p>
           <a:p>
             <a:pPr lvl="1"/>
             <a:r>
-              <a:rPr lang="en-US" b="1" dirty="0" err="1" smtClean="0"/>
-              <a:t>DetailedRequest:Detailed_Request</a:t>
-            </a:r>
-            <a:r>
-              <a:rPr lang="en-US" dirty="0"/>
-              <a:t> </a:t>
-            </a:r>
-            <a:r>
               <a:rPr lang="en-US" dirty="0" smtClean="0"/>
-              <a:t>-  </a:t>
-            </a:r>
-            <a:r>
-              <a:rPr lang="en-US" dirty="0"/>
-              <a:t>This is the interface that </a:t>
+              <a:t>Security </a:t>
+            </a:r>
+            <a:r>
+              <a:rPr lang="en-US" dirty="0"/>
+              <a:t>is also the best in the three-tier architecture because </a:t>
             </a:r>
             <a:r>
               <a:rPr lang="en-US" dirty="0" smtClean="0"/>
-              <a:t>allows the </a:t>
-            </a:r>
-            <a:r>
-              <a:rPr lang="en-US" dirty="0"/>
-              <a:t>users to reserve a taxi.</a:t>
-            </a:r>
-          </a:p>
-          <a:p>
-            <a:pPr lvl="1"/>
-            <a:r>
-              <a:rPr lang="en-US" b="1" dirty="0" err="1" smtClean="0"/>
-              <a:t>NumberOfTaxi</a:t>
-            </a:r>
-            <a:r>
-              <a:rPr lang="en-US" dirty="0"/>
-              <a:t> </a:t>
-            </a:r>
-            <a:r>
-              <a:rPr lang="en-US" dirty="0" smtClean="0"/>
-              <a:t>-  </a:t>
-            </a:r>
-            <a:r>
-              <a:rPr lang="en-US" dirty="0"/>
-              <a:t>This component uses a required interface </a:t>
-            </a:r>
-            <a:r>
-              <a:rPr lang="en-US" dirty="0" smtClean="0"/>
-              <a:t>provided by </a:t>
-            </a:r>
-            <a:r>
-              <a:rPr lang="en-US" dirty="0"/>
-              <a:t>the </a:t>
-            </a:r>
-            <a:r>
-              <a:rPr lang="en-US" dirty="0" err="1"/>
-              <a:t>TaxiQueue</a:t>
-            </a:r>
-            <a:r>
-              <a:rPr lang="en-US" dirty="0"/>
-              <a:t> in order to query it and know the number of </a:t>
-            </a:r>
-            <a:r>
-              <a:rPr lang="en-US" dirty="0" smtClean="0"/>
-              <a:t>available </a:t>
-            </a:r>
-            <a:r>
-              <a:rPr lang="en-US" dirty="0"/>
-              <a:t>taxi in relation to the current position given by the GPS.</a:t>
-            </a:r>
-          </a:p>
-          <a:p>
-            <a:pPr lvl="1"/>
-            <a:r>
-              <a:rPr lang="en-US" b="1" dirty="0" smtClean="0"/>
-              <a:t>Notification</a:t>
-            </a:r>
-            <a:r>
-              <a:rPr lang="en-US" dirty="0"/>
-              <a:t>: This is a component that only has a user's </a:t>
-            </a:r>
-            <a:r>
-              <a:rPr lang="en-US" dirty="0" smtClean="0"/>
-              <a:t>interface that </a:t>
-            </a:r>
-            <a:r>
-              <a:rPr lang="en-US" dirty="0"/>
-              <a:t>depends on the </a:t>
-            </a:r>
-            <a:r>
-              <a:rPr lang="en-US" dirty="0" err="1"/>
-              <a:t>conrmation</a:t>
-            </a:r>
-            <a:r>
-              <a:rPr lang="en-US" dirty="0"/>
-              <a:t> of the user's own request.</a:t>
-            </a:r>
-            <a:endParaRPr lang="en-GB" dirty="0" smtClean="0"/>
+              <a:t>the middle </a:t>
+            </a:r>
+            <a:r>
+              <a:rPr lang="en-US" dirty="0"/>
+              <a:t>layer protects the database tier.</a:t>
+            </a:r>
+            <a:endParaRPr lang="en-GB" b="1" dirty="0" smtClean="0"/>
           </a:p>
         </p:txBody>
       </p:sp>
@@ -9743,7 +9829,7 @@
     </p:spTree>
     <p:extLst>
       <p:ext uri="{BB962C8B-B14F-4D97-AF65-F5344CB8AC3E}">
-        <p14:creationId xmlns:p14="http://schemas.microsoft.com/office/powerpoint/2010/main" val="2354013361"/>
+        <p14:creationId xmlns:p14="http://schemas.microsoft.com/office/powerpoint/2010/main" val="3568359025"/>
       </p:ext>
     </p:extLst>
   </p:cSld>
@@ -9801,8 +9887,8 @@
           <a:p>
             <a:pPr algn="ctr"/>
             <a:r>
-              <a:rPr lang="en-GB" sz="5400" b="1" dirty="0" smtClean="0"/>
-              <a:t>Component interfaces</a:t>
+              <a:rPr lang="en-US" sz="5400" b="1" dirty="0" smtClean="0"/>
+              <a:t>Other design decisions</a:t>
             </a:r>
             <a:endParaRPr lang="en-GB" sz="5400" b="1" dirty="0"/>
           </a:p>
@@ -9826,67 +9912,119 @@
         </p:spPr>
         <p:txBody>
           <a:bodyPr>
-            <a:normAutofit lnSpcReduction="10000"/>
+            <a:normAutofit/>
           </a:bodyPr>
           <a:lstStyle/>
           <a:p>
             <a:r>
-              <a:rPr lang="en-GB" b="1" dirty="0"/>
-              <a:t>Application</a:t>
+              <a:rPr lang="en-GB" dirty="0"/>
+              <a:t>MVC Architectural Pattern</a:t>
             </a:r>
           </a:p>
           <a:p>
             <a:pPr lvl="1"/>
             <a:r>
-              <a:rPr lang="en-US" b="1" dirty="0" err="1" smtClean="0"/>
-              <a:t>ManageRequest:Save_Request</a:t>
-            </a:r>
-            <a:r>
               <a:rPr lang="en-US" dirty="0" smtClean="0"/>
-              <a:t>: This interface is given to the manager data component in order to retrieve information about requests and save them in the database.</a:t>
+              <a:t>It </a:t>
+            </a:r>
+            <a:r>
+              <a:rPr lang="en-US" dirty="0"/>
+              <a:t>should interact with other machines or users </a:t>
+            </a:r>
+            <a:r>
+              <a:rPr lang="en-US" dirty="0" smtClean="0"/>
+              <a:t>effectively</a:t>
+            </a:r>
+            <a:r>
+              <a:rPr lang="en-US" dirty="0"/>
+              <a:t>.</a:t>
             </a:r>
           </a:p>
           <a:p>
             <a:pPr lvl="1"/>
             <a:r>
-              <a:rPr lang="en-US" b="1" dirty="0" err="1" smtClean="0"/>
-              <a:t>ManageRequest:Taxi_Queue</a:t>
-            </a:r>
-            <a:r>
               <a:rPr lang="en-US" dirty="0" smtClean="0"/>
-              <a:t>: This interface is the major central point of the application because it communicates with the other components whose tasks are to handle requests incoming from the users and forward them correctly to the drivers.</a:t>
+              <a:t>For </a:t>
+            </a:r>
+            <a:r>
+              <a:rPr lang="en-US" dirty="0"/>
+              <a:t>more </a:t>
+            </a:r>
+            <a:r>
+              <a:rPr lang="en-US" dirty="0" smtClean="0"/>
+              <a:t>efficient </a:t>
+            </a:r>
+            <a:r>
+              <a:rPr lang="en-US" dirty="0"/>
+              <a:t>interaction, the system should have </a:t>
+            </a:r>
+            <a:r>
+              <a:rPr lang="en-US" dirty="0" smtClean="0"/>
+              <a:t>flexible inter</a:t>
+            </a:r>
+            <a:r>
+              <a:rPr lang="en-GB" dirty="0" smtClean="0"/>
+              <a:t>faces</a:t>
+            </a:r>
+            <a:r>
+              <a:rPr lang="en-GB" dirty="0"/>
+              <a:t>.</a:t>
             </a:r>
           </a:p>
           <a:p>
             <a:pPr lvl="1"/>
             <a:r>
-              <a:rPr lang="en-US" b="1" dirty="0" err="1" smtClean="0"/>
-              <a:t>TaxiQueue:Query_Queue</a:t>
-            </a:r>
-            <a:r>
               <a:rPr lang="en-US" dirty="0" smtClean="0"/>
-              <a:t>: This interface only allows to query the </a:t>
+              <a:t>MVC </a:t>
+            </a:r>
+            <a:r>
+              <a:rPr lang="en-US" dirty="0"/>
+              <a:t>can be taken as for a popular and easy to handle web </a:t>
+            </a:r>
+            <a:r>
+              <a:rPr lang="en-US" dirty="0" smtClean="0"/>
+              <a:t>application </a:t>
+            </a:r>
+            <a:r>
+              <a:rPr lang="en-US" dirty="0"/>
+              <a:t>development style that has the feature of separating </a:t>
+            </a:r>
+            <a:r>
+              <a:rPr lang="en-US" dirty="0" smtClean="0"/>
+              <a:t>the </a:t>
             </a:r>
             <a:r>
               <a:rPr lang="en-GB" dirty="0" smtClean="0"/>
-              <a:t>number of available taxis.</a:t>
+              <a:t>presentation </a:t>
+            </a:r>
+            <a:r>
+              <a:rPr lang="en-GB" dirty="0"/>
+              <a:t>and intermediate logics.</a:t>
             </a:r>
           </a:p>
           <a:p>
             <a:pPr lvl="1"/>
             <a:r>
-              <a:rPr lang="en-US" b="1" dirty="0" err="1" smtClean="0"/>
-              <a:t>TaxiQueue</a:t>
-            </a:r>
-            <a:r>
               <a:rPr lang="en-US" dirty="0" smtClean="0"/>
-              <a:t>: This component, with the required interfaces it needs, is the central point of our application because, as written before, it is responsible of the correct management of requests, users and drivers on whose the service provided by our application </a:t>
-            </a:r>
-            <a:r>
-              <a:rPr lang="en-US" dirty="0"/>
-              <a:t>is based.</a:t>
-            </a:r>
-            <a:endParaRPr lang="en-GB" dirty="0" smtClean="0"/>
+              <a:t>It's </a:t>
+            </a:r>
+            <a:r>
+              <a:rPr lang="en-US" dirty="0"/>
+              <a:t>easy to code and provides well </a:t>
+            </a:r>
+            <a:r>
+              <a:rPr lang="en-US" dirty="0" smtClean="0"/>
+              <a:t>defined </a:t>
+            </a:r>
+            <a:r>
+              <a:rPr lang="en-US" dirty="0"/>
+              <a:t>interfaces within </a:t>
+            </a:r>
+            <a:r>
+              <a:rPr lang="en-US" dirty="0" smtClean="0"/>
+              <a:t>each logic.</a:t>
+            </a:r>
+            <a:endParaRPr lang="en-GB" b="1" dirty="0" smtClean="0"/>
           </a:p>
         </p:txBody>
       </p:sp>
@@ -9923,7 +10061,7 @@
     </p:spTree>
     <p:extLst>
       <p:ext uri="{BB962C8B-B14F-4D97-AF65-F5344CB8AC3E}">
-        <p14:creationId xmlns:p14="http://schemas.microsoft.com/office/powerpoint/2010/main" val="2276339535"/>
+        <p14:creationId xmlns:p14="http://schemas.microsoft.com/office/powerpoint/2010/main" val="4212703422"/>
       </p:ext>
     </p:extLst>
   </p:cSld>
@@ -9969,39 +10107,71 @@
         </p:nvSpPr>
         <p:spPr>
           <a:xfrm>
-            <a:off x="838200" y="537883"/>
-            <a:ext cx="10515600" cy="887505"/>
+            <a:off x="839788" y="718809"/>
+            <a:ext cx="3932237" cy="810126"/>
           </a:xfrm>
         </p:spPr>
         <p:txBody>
           <a:bodyPr>
-            <a:normAutofit fontScale="90000"/>
+            <a:noAutofit/>
           </a:bodyPr>
           <a:lstStyle/>
           <a:p>
             <a:pPr algn="ctr"/>
             <a:r>
-              <a:rPr lang="en-US" sz="5400" b="1" dirty="0"/>
-              <a:t>Selected architectural styles and patterns</a:t>
+              <a:rPr lang="en-GB" sz="5400" b="1" dirty="0" smtClean="0"/>
+              <a:t>Runtime view </a:t>
             </a:r>
             <a:endParaRPr lang="en-GB" sz="5400" b="1" dirty="0"/>
           </a:p>
         </p:txBody>
       </p:sp>
-      <p:sp>
-        <p:nvSpPr>
-          <p:cNvPr id="3" name="Content Placeholder 2"/>
-          <p:cNvSpPr>
-            <a:spLocks noGrp="1"/>
-          </p:cNvSpPr>
-          <p:nvPr>
-            <p:ph idx="1"/>
-          </p:nvPr>
-        </p:nvSpPr>
-        <p:spPr>
-          <a:xfrm>
-            <a:off x="838200" y="1631576"/>
-            <a:ext cx="10515600" cy="4545387"/>
+      <p:pic>
+        <p:nvPicPr>
+          <p:cNvPr id="4" name="Content Placeholder 3"/>
+          <p:cNvPicPr>
+            <a:picLocks noGrp="1" noChangeAspect="1"/>
+          </p:cNvPicPr>
+          <p:nvPr>
+            <p:ph type="pic" idx="1"/>
+          </p:nvPr>
+        </p:nvPicPr>
+        <p:blipFill>
+          <a:blip r:embed="rId3">
+            <a:extLst>
+              <a:ext uri="{28A0092B-C50C-407E-A947-70E740481C1C}">
+                <a14:useLocalDpi xmlns:a14="http://schemas.microsoft.com/office/drawing/2010/main" val="0"/>
+              </a:ext>
+            </a:extLst>
+          </a:blip>
+          <a:stretch>
+            <a:fillRect/>
+          </a:stretch>
+        </p:blipFill>
+        <p:spPr>
+          <a:xfrm>
+            <a:off x="5773272" y="0"/>
+            <a:ext cx="5780895" cy="6848513"/>
+          </a:xfrm>
+          <a:prstGeom prst="rect">
+            <a:avLst/>
+          </a:prstGeom>
+        </p:spPr>
+      </p:pic>
+      <p:sp>
+        <p:nvSpPr>
+          <p:cNvPr id="6" name="Text Placeholder 5"/>
+          <p:cNvSpPr>
+            <a:spLocks noGrp="1"/>
+          </p:cNvSpPr>
+          <p:nvPr>
+            <p:ph type="body" sz="half" idx="2"/>
+          </p:nvPr>
+        </p:nvSpPr>
+        <p:spPr>
+          <a:xfrm>
+            <a:off x="839788" y="1668266"/>
+            <a:ext cx="3932237" cy="4884934"/>
           </a:xfrm>
         </p:spPr>
         <p:txBody>
@@ -10010,57 +10180,78 @@
           </a:bodyPr>
           <a:lstStyle/>
           <a:p>
-            <a:r>
-              <a:rPr lang="en-US" dirty="0" err="1" smtClean="0"/>
-              <a:t>myTaxiService</a:t>
-            </a:r>
-            <a:r>
-              <a:rPr lang="en-US" dirty="0" smtClean="0"/>
+            <a:pPr marL="0" lvl="1">
+              <a:spcBef>
+                <a:spcPts val="1000"/>
+              </a:spcBef>
+            </a:pPr>
+            <a:r>
+              <a:rPr lang="en-US" sz="1800" b="1" dirty="0" smtClean="0"/>
+              <a:t>Registration</a:t>
+            </a:r>
+          </a:p>
+          <a:p>
+            <a:pPr marL="0" lvl="1">
+              <a:spcBef>
+                <a:spcPts val="1000"/>
+              </a:spcBef>
+            </a:pPr>
+            <a:r>
+              <a:rPr lang="en-US" sz="1600" dirty="0" smtClean="0"/>
+              <a:t>The </a:t>
+            </a:r>
+            <a:r>
+              <a:rPr lang="en-US" sz="1600" dirty="0"/>
+              <a:t>algorithm takes in account the completeness, the correctness and the availability of the information inserted</a:t>
+            </a:r>
+            <a:r>
+              <a:rPr lang="en-US" sz="1600" dirty="0" smtClean="0"/>
+              <a:t>. </a:t>
+            </a:r>
+            <a:r>
+              <a:rPr lang="en-US" sz="1600" dirty="0"/>
+              <a:t>After the guest submits the information the application checks if all the mandatory fields are filled and if the confirmation fields, such as password and email, correspond to the respective previous </a:t>
+            </a:r>
+            <a:r>
+              <a:rPr lang="en-US" sz="1600" dirty="0" smtClean="0"/>
+              <a:t>ones.</a:t>
+            </a:r>
+          </a:p>
+          <a:p>
+            <a:pPr marL="0" lvl="1">
+              <a:spcBef>
+                <a:spcPts val="1000"/>
+              </a:spcBef>
+            </a:pPr>
+            <a:r>
+              <a:rPr lang="en-US" sz="1600" dirty="0" smtClean="0"/>
+              <a:t>If </a:t>
+            </a:r>
+            <a:r>
+              <a:rPr lang="en-US" sz="1600" dirty="0"/>
+              <a:t>one of the above doesn't apply, the application shows again the registration page to the guest. If they do, then it looks up into the database to verify that the username and email inserted are not already in </a:t>
+            </a:r>
+            <a:r>
+              <a:rPr lang="en-US" sz="1600" dirty="0" err="1" smtClean="0"/>
+              <a:t>use.If</a:t>
+            </a:r>
+            <a:r>
+              <a:rPr lang="en-US" sz="1600" dirty="0" smtClean="0"/>
               <a:t> </a:t>
             </a:r>
             <a:r>
-              <a:rPr lang="en-US" dirty="0"/>
-              <a:t>will be developed under two main architectural </a:t>
-            </a:r>
-            <a:r>
-              <a:rPr lang="en-US" dirty="0" smtClean="0"/>
-              <a:t>styles/patterns:</a:t>
-            </a:r>
-          </a:p>
-          <a:p>
-            <a:pPr lvl="1"/>
-            <a:r>
-              <a:rPr lang="en-US" b="1" dirty="0" smtClean="0"/>
-              <a:t>MVC</a:t>
-            </a:r>
-            <a:r>
-              <a:rPr lang="en-US" dirty="0" smtClean="0"/>
-              <a:t> </a:t>
-            </a:r>
-            <a:r>
-              <a:rPr lang="en-US" dirty="0"/>
-              <a:t>architectural </a:t>
-            </a:r>
-            <a:r>
-              <a:rPr lang="en-US" dirty="0" smtClean="0"/>
-              <a:t>style</a:t>
-            </a:r>
-          </a:p>
-          <a:p>
-            <a:pPr lvl="1"/>
-            <a:r>
-              <a:rPr lang="en-US" b="1" dirty="0" smtClean="0"/>
-              <a:t>3 </a:t>
-            </a:r>
-            <a:r>
-              <a:rPr lang="en-US" b="1" dirty="0"/>
-              <a:t>tier Client/Server </a:t>
-            </a:r>
-            <a:r>
-              <a:rPr lang="en-US" dirty="0" smtClean="0"/>
-              <a:t>Architecture</a:t>
-            </a:r>
-            <a:endParaRPr lang="en-GB" dirty="0" smtClean="0"/>
+              <a:rPr lang="en-US" sz="1600" dirty="0"/>
+              <a:t>they don't, then the user is added to the database and is shown a confirmation page, inviting him to log in., otherwise the registration page is shown </a:t>
+            </a:r>
+            <a:r>
+              <a:rPr lang="en-GB" sz="1600" dirty="0"/>
+              <a:t>again</a:t>
+            </a:r>
+            <a:r>
+              <a:rPr lang="en-GB" sz="1600" dirty="0" smtClean="0"/>
+              <a:t>.</a:t>
+            </a:r>
+            <a:endParaRPr lang="en-GB" sz="1600" b="1" dirty="0"/>
           </a:p>
         </p:txBody>
       </p:sp>
@@ -10073,7 +10264,7 @@
         <p:spPr>
           <a:xfrm>
             <a:off x="71718" y="56259"/>
-            <a:ext cx="4610108" cy="523220"/>
+            <a:ext cx="4180119" cy="523220"/>
           </a:xfrm>
           <a:prstGeom prst="rect">
             <a:avLst/>
@@ -10088,7 +10279,11 @@
           <a:p>
             <a:r>
               <a:rPr lang="en-GB" sz="2800" dirty="0" smtClean="0"/>
-              <a:t>Section 2: Architectural design</a:t>
+              <a:t>Section </a:t>
+            </a:r>
+            <a:r>
+              <a:rPr lang="en-GB" sz="2800" dirty="0" smtClean="0"/>
+              <a:t>3: Algorithm design</a:t>
             </a:r>
             <a:endParaRPr lang="en-GB" sz="2800" dirty="0"/>
           </a:p>
@@ -10097,7 +10292,7 @@
     </p:spTree>
     <p:extLst>
       <p:ext uri="{BB962C8B-B14F-4D97-AF65-F5344CB8AC3E}">
-        <p14:creationId xmlns:p14="http://schemas.microsoft.com/office/powerpoint/2010/main" val="2951887661"/>
+        <p14:creationId xmlns:p14="http://schemas.microsoft.com/office/powerpoint/2010/main" val="2106290864"/>
       </p:ext>
     </p:extLst>
   </p:cSld>
@@ -10143,187 +10338,130 @@
         </p:nvSpPr>
         <p:spPr>
           <a:xfrm>
-            <a:off x="838200" y="537883"/>
-            <a:ext cx="10515600" cy="887505"/>
+            <a:off x="839788" y="718809"/>
+            <a:ext cx="3932237" cy="810126"/>
           </a:xfrm>
         </p:spPr>
         <p:txBody>
           <a:bodyPr>
-            <a:normAutofit fontScale="90000"/>
+            <a:noAutofit/>
           </a:bodyPr>
           <a:lstStyle/>
           <a:p>
             <a:pPr algn="ctr"/>
             <a:r>
-              <a:rPr lang="en-US" sz="5400" b="1" dirty="0"/>
-              <a:t>Selected architectural styles and patterns</a:t>
+              <a:rPr lang="en-GB" sz="5400" b="1" dirty="0" smtClean="0"/>
+              <a:t>Runtime view </a:t>
             </a:r>
             <a:endParaRPr lang="en-GB" sz="5400" b="1" dirty="0"/>
           </a:p>
         </p:txBody>
       </p:sp>
-      <p:sp>
-        <p:nvSpPr>
-          <p:cNvPr id="3" name="Content Placeholder 2"/>
-          <p:cNvSpPr>
-            <a:spLocks noGrp="1"/>
-          </p:cNvSpPr>
-          <p:nvPr>
-            <p:ph idx="1"/>
-          </p:nvPr>
-        </p:nvSpPr>
-        <p:spPr>
-          <a:xfrm>
-            <a:off x="838200" y="1631576"/>
-            <a:ext cx="10515600" cy="4545387"/>
+      <p:pic>
+        <p:nvPicPr>
+          <p:cNvPr id="4" name="Content Placeholder 3"/>
+          <p:cNvPicPr>
+            <a:picLocks noGrp="1" noChangeAspect="1"/>
+          </p:cNvPicPr>
+          <p:nvPr>
+            <p:ph type="pic" idx="1"/>
+          </p:nvPr>
+        </p:nvPicPr>
+        <p:blipFill>
+          <a:blip r:embed="rId3">
+            <a:extLst>
+              <a:ext uri="{28A0092B-C50C-407E-A947-70E740481C1C}">
+                <a14:useLocalDpi xmlns:a14="http://schemas.microsoft.com/office/drawing/2010/main" val="0"/>
+              </a:ext>
+            </a:extLst>
+          </a:blip>
+          <a:stretch>
+            <a:fillRect/>
+          </a:stretch>
+        </p:blipFill>
+        <p:spPr>
+          <a:xfrm>
+            <a:off x="6392699" y="0"/>
+            <a:ext cx="4542040" cy="6848513"/>
+          </a:xfrm>
+          <a:prstGeom prst="rect">
+            <a:avLst/>
+          </a:prstGeom>
+        </p:spPr>
+      </p:pic>
+      <p:sp>
+        <p:nvSpPr>
+          <p:cNvPr id="6" name="Text Placeholder 5"/>
+          <p:cNvSpPr>
+            <a:spLocks noGrp="1"/>
+          </p:cNvSpPr>
+          <p:nvPr>
+            <p:ph type="body" sz="half" idx="2"/>
+          </p:nvPr>
+        </p:nvSpPr>
+        <p:spPr>
+          <a:xfrm>
+            <a:off x="839788" y="1668266"/>
+            <a:ext cx="3932237" cy="4884934"/>
           </a:xfrm>
         </p:spPr>
         <p:txBody>
           <a:bodyPr>
-            <a:normAutofit lnSpcReduction="10000"/>
+            <a:normAutofit/>
           </a:bodyPr>
           <a:lstStyle/>
           <a:p>
-            <a:r>
-              <a:rPr lang="en-US" b="1" dirty="0" smtClean="0"/>
-              <a:t>MVC Architecture Style (Model - View - Controller)</a:t>
-            </a:r>
-          </a:p>
-          <a:p>
-            <a:pPr lvl="1"/>
-            <a:r>
-              <a:rPr lang="en-US" dirty="0"/>
-              <a:t>MVC separates presentation and interaction from the system data. </a:t>
-            </a:r>
-            <a:r>
-              <a:rPr lang="en-US" dirty="0" smtClean="0"/>
-              <a:t>The system </a:t>
-            </a:r>
-            <a:r>
-              <a:rPr lang="en-US" dirty="0"/>
-              <a:t>is structured into three logical components that interact with </a:t>
-            </a:r>
-            <a:r>
-              <a:rPr lang="en-US" dirty="0" smtClean="0"/>
-              <a:t>each </a:t>
-            </a:r>
-            <a:r>
-              <a:rPr lang="en-GB" dirty="0" smtClean="0"/>
-              <a:t>other</a:t>
-            </a:r>
-            <a:r>
-              <a:rPr lang="en-GB" dirty="0"/>
+            <a:pPr marL="0" lvl="1">
+              <a:spcBef>
+                <a:spcPts val="1000"/>
+              </a:spcBef>
+            </a:pPr>
+            <a:r>
+              <a:rPr lang="en-US" sz="1800" b="1" dirty="0" smtClean="0"/>
+              <a:t>Log in</a:t>
+            </a:r>
+          </a:p>
+          <a:p>
+            <a:pPr marL="0" lvl="1">
+              <a:spcBef>
+                <a:spcPts val="1000"/>
+              </a:spcBef>
+            </a:pPr>
+            <a:r>
+              <a:rPr lang="en-US" sz="1600" dirty="0"/>
+              <a:t>After the guest inputs his credentials, the application first checks if both fields are filled, then looks for the username in the database to see if it exists. If it does, it checks if the password matches too.</a:t>
+            </a:r>
+          </a:p>
+          <a:p>
+            <a:pPr marL="0" lvl="1">
+              <a:spcBef>
+                <a:spcPts val="1000"/>
+              </a:spcBef>
+            </a:pPr>
+            <a:r>
+              <a:rPr lang="en-US" sz="1600" dirty="0"/>
+              <a:t>If all of these steps are verified, the guest is logged in and is shown his personal page, otherwise the application shows the login page again</a:t>
+            </a:r>
+            <a:r>
+              <a:rPr lang="en-US" sz="1600" dirty="0" smtClean="0"/>
               <a:t>.</a:t>
             </a:r>
           </a:p>
           <a:p>
-            <a:pPr lvl="2"/>
-            <a:r>
-              <a:rPr lang="en-US" dirty="0"/>
-              <a:t>1. The Model component that manages the system data and </a:t>
-            </a:r>
-            <a:r>
-              <a:rPr lang="en-US" dirty="0" smtClean="0"/>
-              <a:t>associated </a:t>
-            </a:r>
-            <a:r>
-              <a:rPr lang="en-GB" dirty="0" smtClean="0"/>
-              <a:t>operations </a:t>
-            </a:r>
-            <a:r>
-              <a:rPr lang="en-GB" dirty="0"/>
-              <a:t>on that data.</a:t>
-            </a:r>
-          </a:p>
-          <a:p>
-            <a:pPr lvl="2"/>
-            <a:r>
-              <a:rPr lang="en-US" dirty="0"/>
-              <a:t>2. The View component that denes and manages how the data is </a:t>
-            </a:r>
-            <a:r>
-              <a:rPr lang="en-US" dirty="0" smtClean="0"/>
-              <a:t>pre</a:t>
-            </a:r>
-            <a:r>
-              <a:rPr lang="en-GB" dirty="0" err="1" smtClean="0"/>
-              <a:t>sented</a:t>
-            </a:r>
-            <a:r>
-              <a:rPr lang="en-GB" dirty="0" smtClean="0"/>
-              <a:t> </a:t>
-            </a:r>
-            <a:r>
-              <a:rPr lang="en-GB" dirty="0"/>
-              <a:t>to the user.</a:t>
-            </a:r>
-          </a:p>
-          <a:p>
-            <a:pPr lvl="2"/>
-            <a:r>
-              <a:rPr lang="en-US" dirty="0"/>
-              <a:t>3. The Controller component that manages user interaction and </a:t>
-            </a:r>
-            <a:r>
-              <a:rPr lang="en-US" dirty="0" smtClean="0"/>
-              <a:t>passes these </a:t>
-            </a:r>
-            <a:r>
-              <a:rPr lang="en-US" dirty="0"/>
-              <a:t>interactions to the View and the Model</a:t>
-            </a:r>
-            <a:r>
-              <a:rPr lang="en-US" dirty="0" smtClean="0"/>
+            <a:pPr marL="0" lvl="1">
+              <a:spcBef>
+                <a:spcPts val="1000"/>
+              </a:spcBef>
+            </a:pPr>
+            <a:r>
+              <a:rPr lang="en-US" sz="1600" dirty="0"/>
+              <a:t>After the password verification, the application will check the privileges of the account that is about to log in and will consequently show the respective page, be it user's or driver's</a:t>
+            </a:r>
+            <a:r>
+              <a:rPr lang="en-US" sz="1600" dirty="0" smtClean="0"/>
               <a:t>.</a:t>
             </a:r>
-          </a:p>
-          <a:p>
-            <a:pPr lvl="1"/>
-            <a:r>
-              <a:rPr lang="en-US" dirty="0"/>
-              <a:t>We will use this MVC Style for </a:t>
-            </a:r>
-            <a:r>
-              <a:rPr lang="en-US" dirty="0" err="1"/>
-              <a:t>myTaxi</a:t>
-            </a:r>
-            <a:r>
-              <a:rPr lang="en-US" dirty="0"/>
-              <a:t> system because there are </a:t>
-            </a:r>
-            <a:r>
-              <a:rPr lang="en-US" dirty="0" smtClean="0"/>
-              <a:t>multiple ways </a:t>
-            </a:r>
-            <a:r>
-              <a:rPr lang="en-US" dirty="0"/>
-              <a:t>to view and interact with the data. We have decided to use </a:t>
-            </a:r>
-            <a:r>
-              <a:rPr lang="en-US" dirty="0" smtClean="0"/>
-              <a:t>MVC architectural </a:t>
-            </a:r>
-            <a:r>
-              <a:rPr lang="en-US" dirty="0"/>
-              <a:t>style to separate the application logic with the </a:t>
-            </a:r>
-            <a:r>
-              <a:rPr lang="en-US" dirty="0" smtClean="0"/>
-              <a:t>interface. The </a:t>
-            </a:r>
-            <a:r>
-              <a:rPr lang="en-US" dirty="0"/>
-              <a:t>main advantage of this style is that it allows the data to </a:t>
-            </a:r>
-            <a:r>
-              <a:rPr lang="en-US" dirty="0" smtClean="0"/>
-              <a:t>change independently </a:t>
-            </a:r>
-            <a:r>
-              <a:rPr lang="en-US" dirty="0"/>
-              <a:t>of its representation and vice versa.</a:t>
-            </a:r>
-            <a:endParaRPr lang="en-GB" b="1" dirty="0" smtClean="0"/>
+            <a:endParaRPr lang="en-GB" sz="1600" b="1" dirty="0"/>
           </a:p>
         </p:txBody>
       </p:sp>
@@ -10336,7 +10474,7 @@
         <p:spPr>
           <a:xfrm>
             <a:off x="71718" y="56259"/>
-            <a:ext cx="4610108" cy="523220"/>
+            <a:ext cx="4180119" cy="523220"/>
           </a:xfrm>
           <a:prstGeom prst="rect">
             <a:avLst/>
@@ -10350,8 +10488,8 @@
           <a:lstStyle/>
           <a:p>
             <a:r>
-              <a:rPr lang="en-GB" sz="2800" dirty="0" smtClean="0"/>
-              <a:t>Section 2: Architectural design</a:t>
+              <a:rPr lang="en-GB" sz="2800" dirty="0"/>
+              <a:t>Section 3: Algorithm design</a:t>
             </a:r>
             <a:endParaRPr lang="en-GB" sz="2800" dirty="0"/>
           </a:p>
@@ -10360,7 +10498,7 @@
     </p:spTree>
     <p:extLst>
       <p:ext uri="{BB962C8B-B14F-4D97-AF65-F5344CB8AC3E}">
-        <p14:creationId xmlns:p14="http://schemas.microsoft.com/office/powerpoint/2010/main" val="1899649741"/>
+        <p14:creationId xmlns:p14="http://schemas.microsoft.com/office/powerpoint/2010/main" val="1599688368"/>
       </p:ext>
     </p:extLst>
   </p:cSld>
@@ -10406,39 +10544,71 @@
         </p:nvSpPr>
         <p:spPr>
           <a:xfrm>
-            <a:off x="838200" y="537883"/>
-            <a:ext cx="10515600" cy="887505"/>
+            <a:off x="839788" y="718809"/>
+            <a:ext cx="3932237" cy="810126"/>
           </a:xfrm>
         </p:spPr>
         <p:txBody>
           <a:bodyPr>
-            <a:normAutofit fontScale="90000"/>
+            <a:noAutofit/>
           </a:bodyPr>
           <a:lstStyle/>
           <a:p>
             <a:pPr algn="ctr"/>
             <a:r>
-              <a:rPr lang="en-US" sz="5400" b="1" dirty="0"/>
-              <a:t>Selected architectural styles and patterns</a:t>
+              <a:rPr lang="en-GB" sz="5400" b="1" dirty="0" smtClean="0"/>
+              <a:t>Runtime view </a:t>
             </a:r>
             <a:endParaRPr lang="en-GB" sz="5400" b="1" dirty="0"/>
           </a:p>
         </p:txBody>
       </p:sp>
-      <p:sp>
-        <p:nvSpPr>
-          <p:cNvPr id="3" name="Content Placeholder 2"/>
-          <p:cNvSpPr>
-            <a:spLocks noGrp="1"/>
-          </p:cNvSpPr>
-          <p:nvPr>
-            <p:ph idx="1"/>
-          </p:nvPr>
-        </p:nvSpPr>
-        <p:spPr>
-          <a:xfrm>
-            <a:off x="838200" y="1631576"/>
-            <a:ext cx="10515600" cy="4545387"/>
+      <p:pic>
+        <p:nvPicPr>
+          <p:cNvPr id="4" name="Content Placeholder 3"/>
+          <p:cNvPicPr>
+            <a:picLocks noGrp="1" noChangeAspect="1"/>
+          </p:cNvPicPr>
+          <p:nvPr>
+            <p:ph type="pic" idx="1"/>
+          </p:nvPr>
+        </p:nvPicPr>
+        <p:blipFill>
+          <a:blip r:embed="rId3">
+            <a:extLst>
+              <a:ext uri="{28A0092B-C50C-407E-A947-70E740481C1C}">
+                <a14:useLocalDpi xmlns:a14="http://schemas.microsoft.com/office/drawing/2010/main" val="0"/>
+              </a:ext>
+            </a:extLst>
+          </a:blip>
+          <a:stretch>
+            <a:fillRect/>
+          </a:stretch>
+        </p:blipFill>
+        <p:spPr>
+          <a:xfrm>
+            <a:off x="5192208" y="1"/>
+            <a:ext cx="6932869" cy="6858000"/>
+          </a:xfrm>
+          <a:prstGeom prst="rect">
+            <a:avLst/>
+          </a:prstGeom>
+        </p:spPr>
+      </p:pic>
+      <p:sp>
+        <p:nvSpPr>
+          <p:cNvPr id="6" name="Text Placeholder 5"/>
+          <p:cNvSpPr>
+            <a:spLocks noGrp="1"/>
+          </p:cNvSpPr>
+          <p:nvPr>
+            <p:ph type="body" sz="half" idx="2"/>
+          </p:nvPr>
+        </p:nvSpPr>
+        <p:spPr>
+          <a:xfrm>
+            <a:off x="839788" y="1668266"/>
+            <a:ext cx="3932237" cy="4884934"/>
           </a:xfrm>
         </p:spPr>
         <p:txBody>
@@ -10447,83 +10617,59 @@
           </a:bodyPr>
           <a:lstStyle/>
           <a:p>
-            <a:r>
-              <a:rPr lang="en-GB" b="1" dirty="0"/>
-              <a:t>Three-Tier Client Server Architecture</a:t>
-            </a:r>
-          </a:p>
-          <a:p>
-            <a:pPr lvl="1"/>
-            <a:r>
-              <a:rPr lang="en-US" dirty="0"/>
-              <a:t>In a client-server architecture, the functionality of the system is </a:t>
+            <a:pPr marL="0" lvl="1">
+              <a:spcBef>
+                <a:spcPts val="1000"/>
+              </a:spcBef>
+            </a:pPr>
+            <a:r>
+              <a:rPr lang="en-US" sz="1800" b="1" dirty="0" smtClean="0"/>
+              <a:t>Queue management</a:t>
+            </a:r>
+          </a:p>
+          <a:p>
+            <a:r>
+              <a:rPr lang="en-US" dirty="0"/>
+              <a:t>This sequence diagram represents how the application manage to forward </a:t>
             </a:r>
             <a:r>
               <a:rPr lang="en-US" dirty="0" smtClean="0"/>
-              <a:t>organized into </a:t>
-            </a:r>
-            <a:r>
-              <a:rPr lang="en-US" dirty="0"/>
-              <a:t>services, with each service delivered from a separate server. </a:t>
-            </a:r>
-            <a:r>
-              <a:rPr lang="en-US" dirty="0" smtClean="0"/>
-              <a:t>Clients are </a:t>
-            </a:r>
-            <a:r>
-              <a:rPr lang="en-US" dirty="0"/>
-              <a:t>users of these services and access servers to make use of </a:t>
-            </a:r>
-            <a:r>
-              <a:rPr lang="en-US" dirty="0" smtClean="0"/>
-              <a:t>them. We will </a:t>
-            </a:r>
-            <a:r>
-              <a:rPr lang="en-US" dirty="0"/>
-              <a:t>use this 3-Tier Client Server Architecture, because data in a </a:t>
-            </a:r>
-            <a:r>
-              <a:rPr lang="en-US" dirty="0" smtClean="0"/>
-              <a:t>shared database </a:t>
-            </a:r>
-            <a:r>
-              <a:rPr lang="en-US" dirty="0"/>
-              <a:t>has to be accessed from a range of locations, in this way </a:t>
-            </a:r>
-            <a:r>
-              <a:rPr lang="en-US" dirty="0" smtClean="0"/>
-              <a:t>servers can </a:t>
-            </a:r>
-            <a:r>
-              <a:rPr lang="en-US" dirty="0"/>
-              <a:t>be replicated. In particular, there are three tiers</a:t>
-            </a:r>
-            <a:r>
-              <a:rPr lang="en-US" dirty="0" smtClean="0"/>
-              <a:t>:	</a:t>
-            </a:r>
-          </a:p>
-          <a:p>
-            <a:pPr lvl="2"/>
-            <a:r>
-              <a:rPr lang="en-US" b="1" dirty="0" smtClean="0"/>
-              <a:t>Data Tier</a:t>
-            </a:r>
-          </a:p>
-          <a:p>
-            <a:pPr lvl="2"/>
-            <a:r>
-              <a:rPr lang="en-US" b="1" dirty="0" smtClean="0"/>
-              <a:t>Application Tier</a:t>
-            </a:r>
-          </a:p>
-          <a:p>
-            <a:pPr lvl="2"/>
-            <a:r>
-              <a:rPr lang="en-US" b="1" dirty="0" smtClean="0"/>
-              <a:t>Client Tier</a:t>
-            </a:r>
-            <a:endParaRPr lang="en-GB" b="1" dirty="0" smtClean="0"/>
+              <a:t>a </a:t>
+            </a:r>
+            <a:r>
+              <a:rPr lang="en-GB" dirty="0" smtClean="0"/>
+              <a:t>request to a driver.</a:t>
+            </a:r>
+          </a:p>
+          <a:p>
+            <a:pPr marL="0" lvl="1">
+              <a:spcBef>
+                <a:spcPts val="1000"/>
+              </a:spcBef>
+            </a:pPr>
+            <a:r>
+              <a:rPr lang="en-US" sz="1600" dirty="0"/>
+              <a:t>After </a:t>
+            </a:r>
+            <a:r>
+              <a:rPr lang="en-US" sz="1600" dirty="0" smtClean="0"/>
+              <a:t>a user makes a ride request, </a:t>
+            </a:r>
+            <a:r>
+              <a:rPr lang="en-US" sz="1600" dirty="0"/>
+              <a:t>the application will then begin to allocate the first available taxi, otherwise if there's none it will just wait until one becomes available.</a:t>
+            </a:r>
+          </a:p>
+          <a:p>
+            <a:pPr marL="0" lvl="1">
+              <a:spcBef>
+                <a:spcPts val="1000"/>
+              </a:spcBef>
+            </a:pPr>
+            <a:r>
+              <a:rPr lang="en-US" sz="1600" dirty="0"/>
+              <a:t>After forwarding the request to the taxi, the system will wait 30 seconds, if the driver answers the call he will be in charge for that request, or else the system forwards the request to the next available taxi in queue. In both cases the driver will be put at the end of the queue.</a:t>
+            </a:r>
           </a:p>
         </p:txBody>
       </p:sp>
@@ -10536,7 +10682,7 @@
         <p:spPr>
           <a:xfrm>
             <a:off x="71718" y="56259"/>
-            <a:ext cx="4610108" cy="523220"/>
+            <a:ext cx="4180119" cy="523220"/>
           </a:xfrm>
           <a:prstGeom prst="rect">
             <a:avLst/>
@@ -10550,8 +10696,8 @@
           <a:lstStyle/>
           <a:p>
             <a:r>
-              <a:rPr lang="en-GB" sz="2800" dirty="0" smtClean="0"/>
-              <a:t>Section 2: Architectural design</a:t>
+              <a:rPr lang="en-GB" sz="2800" dirty="0"/>
+              <a:t>Section 3: Algorithm design</a:t>
             </a:r>
             <a:endParaRPr lang="en-GB" sz="2800" dirty="0"/>
           </a:p>
@@ -10560,7 +10706,7 @@
     </p:spTree>
     <p:extLst>
       <p:ext uri="{BB962C8B-B14F-4D97-AF65-F5344CB8AC3E}">
-        <p14:creationId xmlns:p14="http://schemas.microsoft.com/office/powerpoint/2010/main" val="2927950939"/>
+        <p14:creationId xmlns:p14="http://schemas.microsoft.com/office/powerpoint/2010/main" val="1266966117"/>
       </p:ext>
     </p:extLst>
   </p:cSld>
@@ -10606,218 +10752,153 @@
         </p:nvSpPr>
         <p:spPr>
           <a:xfrm>
-            <a:off x="838200" y="537883"/>
-            <a:ext cx="10515600" cy="887505"/>
+            <a:off x="839788" y="718809"/>
+            <a:ext cx="3932237" cy="810126"/>
           </a:xfrm>
         </p:spPr>
         <p:txBody>
           <a:bodyPr>
-            <a:normAutofit fontScale="90000"/>
+            <a:noAutofit/>
           </a:bodyPr>
           <a:lstStyle/>
           <a:p>
             <a:pPr algn="ctr"/>
             <a:r>
-              <a:rPr lang="en-US" sz="5400" b="1" dirty="0"/>
-              <a:t>Selected architectural styles and patterns</a:t>
+              <a:rPr lang="en-GB" sz="5400" b="1" dirty="0" smtClean="0"/>
+              <a:t>Runtime view </a:t>
             </a:r>
             <a:endParaRPr lang="en-GB" sz="5400" b="1" dirty="0"/>
           </a:p>
         </p:txBody>
       </p:sp>
-      <p:sp>
-        <p:nvSpPr>
-          <p:cNvPr id="3" name="Content Placeholder 2"/>
-          <p:cNvSpPr>
-            <a:spLocks noGrp="1"/>
-          </p:cNvSpPr>
-          <p:nvPr>
-            <p:ph idx="1"/>
-          </p:nvPr>
-        </p:nvSpPr>
-        <p:spPr>
-          <a:xfrm>
-            <a:off x="838200" y="1631576"/>
-            <a:ext cx="10515600" cy="4545387"/>
+      <p:pic>
+        <p:nvPicPr>
+          <p:cNvPr id="4" name="Content Placeholder 3"/>
+          <p:cNvPicPr>
+            <a:picLocks noGrp="1" noChangeAspect="1"/>
+          </p:cNvPicPr>
+          <p:nvPr>
+            <p:ph type="pic" idx="1"/>
+          </p:nvPr>
+        </p:nvPicPr>
+        <p:blipFill>
+          <a:blip r:embed="rId3">
+            <a:extLst>
+              <a:ext uri="{28A0092B-C50C-407E-A947-70E740481C1C}">
+                <a14:useLocalDpi xmlns:a14="http://schemas.microsoft.com/office/drawing/2010/main" val="0"/>
+              </a:ext>
+            </a:extLst>
+          </a:blip>
+          <a:stretch>
+            <a:fillRect/>
+          </a:stretch>
+        </p:blipFill>
+        <p:spPr>
+          <a:xfrm>
+            <a:off x="5163208" y="56259"/>
+            <a:ext cx="6933998" cy="6801741"/>
+          </a:xfrm>
+          <a:prstGeom prst="rect">
+            <a:avLst/>
+          </a:prstGeom>
+        </p:spPr>
+      </p:pic>
+      <p:sp>
+        <p:nvSpPr>
+          <p:cNvPr id="6" name="Text Placeholder 5"/>
+          <p:cNvSpPr>
+            <a:spLocks noGrp="1"/>
+          </p:cNvSpPr>
+          <p:nvPr>
+            <p:ph type="body" sz="half" idx="2"/>
+          </p:nvPr>
+        </p:nvSpPr>
+        <p:spPr>
+          <a:xfrm>
+            <a:off x="839788" y="1668266"/>
+            <a:ext cx="3932237" cy="4884934"/>
           </a:xfrm>
         </p:spPr>
         <p:txBody>
           <a:bodyPr>
-            <a:normAutofit fontScale="92500" lnSpcReduction="20000"/>
+            <a:normAutofit/>
           </a:bodyPr>
           <a:lstStyle/>
           <a:p>
-            <a:r>
-              <a:rPr lang="en-GB" b="1" dirty="0"/>
-              <a:t>Data </a:t>
-            </a:r>
-            <a:r>
-              <a:rPr lang="en-GB" b="1" dirty="0" smtClean="0"/>
-              <a:t>Tier</a:t>
-            </a:r>
-            <a:endParaRPr lang="en-GB" dirty="0" smtClean="0"/>
-          </a:p>
-          <a:p>
-            <a:pPr lvl="1"/>
-            <a:r>
-              <a:rPr lang="en-US" dirty="0" smtClean="0"/>
-              <a:t>The </a:t>
-            </a:r>
-            <a:r>
-              <a:rPr lang="en-US" dirty="0"/>
-              <a:t>data tier maintains the applications data such as Users' </a:t>
-            </a:r>
-            <a:r>
-              <a:rPr lang="en-US" dirty="0" smtClean="0"/>
-              <a:t>data, Drivers</a:t>
-            </a:r>
-            <a:r>
-              <a:rPr lang="en-US" dirty="0"/>
-              <a:t>' data, Request data, </a:t>
-            </a:r>
-            <a:r>
-              <a:rPr lang="en-US" dirty="0" err="1"/>
-              <a:t>TaxiQueue</a:t>
-            </a:r>
-            <a:r>
-              <a:rPr lang="en-US" dirty="0"/>
-              <a:t> data and the SQL </a:t>
-            </a:r>
-            <a:r>
-              <a:rPr lang="en-US" dirty="0" smtClean="0"/>
-              <a:t>queries. It </a:t>
-            </a:r>
-            <a:r>
-              <a:rPr lang="en-US" dirty="0"/>
-              <a:t>stores these data in a relational database management </a:t>
-            </a:r>
-            <a:r>
-              <a:rPr lang="en-US" dirty="0" smtClean="0"/>
-              <a:t>system (RDBMS</a:t>
-            </a:r>
-            <a:r>
-              <a:rPr lang="en-US" dirty="0"/>
-              <a:t>). All the connections with the RDBMS are managed </a:t>
-            </a:r>
-            <a:r>
-              <a:rPr lang="en-US" dirty="0" smtClean="0"/>
-              <a:t>in </a:t>
-            </a:r>
-            <a:r>
-              <a:rPr lang="en-GB" dirty="0" smtClean="0"/>
-              <a:t>this </a:t>
-            </a:r>
-            <a:r>
-              <a:rPr lang="en-GB" dirty="0"/>
-              <a:t>tier</a:t>
-            </a:r>
-            <a:r>
-              <a:rPr lang="en-GB" dirty="0" smtClean="0"/>
+            <a:pPr marL="0" lvl="1">
+              <a:spcBef>
+                <a:spcPts val="1000"/>
+              </a:spcBef>
+            </a:pPr>
+            <a:r>
+              <a:rPr lang="en-US" sz="1800" b="1" dirty="0" smtClean="0"/>
+              <a:t>Simple request</a:t>
+            </a:r>
+          </a:p>
+          <a:p>
+            <a:pPr marL="0" lvl="1">
+              <a:spcBef>
+                <a:spcPts val="1000"/>
+              </a:spcBef>
+            </a:pPr>
+            <a:r>
+              <a:rPr lang="en-US" sz="1600" dirty="0" smtClean="0"/>
+              <a:t>After </a:t>
+            </a:r>
+            <a:r>
+              <a:rPr lang="en-US" sz="1600" dirty="0"/>
+              <a:t>the user clicks on the Simple request button, he is shown the simple </a:t>
+            </a:r>
+            <a:r>
+              <a:rPr lang="en-GB" sz="1600" dirty="0"/>
+              <a:t>request page</a:t>
+            </a:r>
+            <a:r>
+              <a:rPr lang="en-GB" sz="1600" dirty="0" smtClean="0"/>
               <a:t>.</a:t>
             </a:r>
           </a:p>
           <a:p>
-            <a:r>
-              <a:rPr lang="en-GB" b="1" dirty="0"/>
-              <a:t>Application Tier</a:t>
-            </a:r>
-          </a:p>
-          <a:p>
-            <a:pPr lvl="1"/>
-            <a:r>
-              <a:rPr lang="en-US" dirty="0"/>
-              <a:t>The application tier (web/application server) implements the </a:t>
-            </a:r>
-            <a:r>
-              <a:rPr lang="en-US" dirty="0" smtClean="0"/>
-              <a:t>business </a:t>
-            </a:r>
-            <a:r>
-              <a:rPr lang="en-US" dirty="0"/>
-              <a:t>logic, controller logic and presentation logic to control the </a:t>
-            </a:r>
-            <a:r>
-              <a:rPr lang="en-US" dirty="0" smtClean="0"/>
-              <a:t>interaction </a:t>
-            </a:r>
-            <a:r>
-              <a:rPr lang="en-US" dirty="0"/>
-              <a:t>between the application's clients and data. Business </a:t>
-            </a:r>
-            <a:r>
-              <a:rPr lang="en-US" dirty="0" smtClean="0"/>
-              <a:t>rules enforced </a:t>
-            </a:r>
-            <a:r>
-              <a:rPr lang="en-US" dirty="0"/>
-              <a:t>by the business logic dictate how clients can't access </a:t>
-            </a:r>
-            <a:r>
-              <a:rPr lang="en-US" dirty="0" smtClean="0"/>
-              <a:t>application </a:t>
-            </a:r>
-            <a:r>
-              <a:rPr lang="en-US" dirty="0"/>
-              <a:t>data directly and how applications process data.</a:t>
-            </a:r>
-          </a:p>
-          <a:p>
-            <a:r>
-              <a:rPr lang="en-GB" b="1" dirty="0" smtClean="0"/>
-              <a:t>Client </a:t>
-            </a:r>
-            <a:r>
-              <a:rPr lang="en-GB" b="1" dirty="0"/>
-              <a:t>Tier</a:t>
-            </a:r>
-          </a:p>
-          <a:p>
-            <a:pPr lvl="1"/>
-            <a:r>
-              <a:rPr lang="en-US" dirty="0"/>
-              <a:t>The client tier is the application's user interface connecting data </a:t>
-            </a:r>
-            <a:r>
-              <a:rPr lang="en-US" dirty="0" smtClean="0"/>
-              <a:t>entry forms </a:t>
-            </a:r>
-            <a:r>
-              <a:rPr lang="en-US" dirty="0"/>
-              <a:t>and client side applications. It displays data to the user. </a:t>
-            </a:r>
-            <a:r>
-              <a:rPr lang="en-US" dirty="0" smtClean="0"/>
-              <a:t>User interact </a:t>
-            </a:r>
-            <a:r>
-              <a:rPr lang="en-US" dirty="0"/>
-              <a:t>directly with the application through user interface. </a:t>
-            </a:r>
-            <a:r>
-              <a:rPr lang="en-US" dirty="0" smtClean="0"/>
-              <a:t>The client </a:t>
-            </a:r>
-            <a:r>
-              <a:rPr lang="en-US" dirty="0"/>
-              <a:t>tier interacts with the web/application server to make </a:t>
-            </a:r>
-            <a:r>
-              <a:rPr lang="en-US" dirty="0" smtClean="0"/>
-              <a:t>requests and </a:t>
-            </a:r>
-            <a:r>
-              <a:rPr lang="en-US" dirty="0"/>
-              <a:t>to retrieve data from the database. It then displays to the </a:t>
-            </a:r>
-            <a:r>
-              <a:rPr lang="en-US" dirty="0" smtClean="0"/>
-              <a:t>user the </a:t>
-            </a:r>
-            <a:r>
-              <a:rPr lang="en-US" dirty="0"/>
-              <a:t>data retrieved from the server.</a:t>
-            </a:r>
-            <a:endParaRPr lang="en-GB" b="1" dirty="0" smtClean="0"/>
+            <a:pPr marL="0" lvl="1">
+              <a:spcBef>
+                <a:spcPts val="1000"/>
+              </a:spcBef>
+            </a:pPr>
+            <a:r>
+              <a:rPr lang="en-US" sz="1600" dirty="0"/>
+              <a:t>After he inserts the origin of his ride and press the Request button, the application will then begin to </a:t>
+            </a:r>
+            <a:r>
+              <a:rPr lang="en-US" sz="1600" dirty="0" smtClean="0"/>
+              <a:t>a taxi according to the Queue Management algorithm.</a:t>
+            </a:r>
+          </a:p>
+          <a:p>
+            <a:pPr marL="0" lvl="1">
+              <a:spcBef>
+                <a:spcPts val="1000"/>
+              </a:spcBef>
+            </a:pPr>
+            <a:r>
+              <a:rPr lang="en-US" sz="1600" dirty="0" smtClean="0"/>
+              <a:t>Once the taxi is allocated, the user is informed with a notification containing the code of the taxi and the waiting time.</a:t>
+            </a:r>
+          </a:p>
+          <a:p>
+            <a:pPr marL="0" lvl="1">
+              <a:spcBef>
+                <a:spcPts val="1000"/>
+              </a:spcBef>
+            </a:pPr>
+            <a:endParaRPr lang="en-US" sz="1600" dirty="0"/>
+          </a:p>
+          <a:p>
+            <a:pPr marL="0" lvl="1">
+              <a:spcBef>
+                <a:spcPts val="1000"/>
+              </a:spcBef>
+            </a:pPr>
+            <a:endParaRPr lang="en-GB" sz="1600" dirty="0"/>
           </a:p>
         </p:txBody>
       </p:sp>
@@ -10830,7 +10911,7 @@
         <p:spPr>
           <a:xfrm>
             <a:off x="71718" y="56259"/>
-            <a:ext cx="4610108" cy="523220"/>
+            <a:ext cx="4180119" cy="523220"/>
           </a:xfrm>
           <a:prstGeom prst="rect">
             <a:avLst/>
@@ -10844,8 +10925,8 @@
           <a:lstStyle/>
           <a:p>
             <a:r>
-              <a:rPr lang="en-GB" sz="2800" dirty="0" smtClean="0"/>
-              <a:t>Section 2: Architectural design</a:t>
+              <a:rPr lang="en-GB" sz="2800" dirty="0"/>
+              <a:t>Section 3: Algorithm design</a:t>
             </a:r>
             <a:endParaRPr lang="en-GB" sz="2800" dirty="0"/>
           </a:p>
@@ -10854,7 +10935,7 @@
     </p:spTree>
     <p:extLst>
       <p:ext uri="{BB962C8B-B14F-4D97-AF65-F5344CB8AC3E}">
-        <p14:creationId xmlns:p14="http://schemas.microsoft.com/office/powerpoint/2010/main" val="1887418933"/>
+        <p14:creationId xmlns:p14="http://schemas.microsoft.com/office/powerpoint/2010/main" val="3199453024"/>
       </p:ext>
     </p:extLst>
   </p:cSld>
@@ -10900,20 +10981,20 @@
         </p:nvSpPr>
         <p:spPr>
           <a:xfrm>
-            <a:off x="839788" y="457200"/>
+            <a:off x="839788" y="718809"/>
             <a:ext cx="3932237" cy="810126"/>
           </a:xfrm>
         </p:spPr>
         <p:txBody>
           <a:bodyPr>
-            <a:normAutofit fontScale="90000"/>
+            <a:noAutofit/>
           </a:bodyPr>
           <a:lstStyle/>
           <a:p>
             <a:pPr algn="ctr"/>
             <a:r>
               <a:rPr lang="en-GB" sz="5400" b="1" dirty="0" smtClean="0"/>
-              <a:t> </a:t>
+              <a:t>Runtime view </a:t>
             </a:r>
             <a:endParaRPr lang="en-GB" sz="5400" b="1" dirty="0"/>
           </a:p>
@@ -10930,7 +11011,7 @@
           </p:nvPr>
         </p:nvPicPr>
         <p:blipFill>
-          <a:blip r:embed="rId4">
+          <a:blip r:embed="rId3">
             <a:extLst>
               <a:ext uri="{28A0092B-C50C-407E-A947-70E740481C1C}">
                 <a14:useLocalDpi xmlns:a14="http://schemas.microsoft.com/office/drawing/2010/main" val="0"/>
@@ -10943,8 +11024,8 @@
         </p:blipFill>
         <p:spPr>
           <a:xfrm>
-            <a:off x="5183188" y="1409225"/>
-            <a:ext cx="6172200" cy="4030025"/>
+            <a:off x="5502088" y="1"/>
+            <a:ext cx="6689911" cy="6857999"/>
           </a:xfrm>
           <a:prstGeom prst="rect">
             <a:avLst/>
@@ -10963,8 +11044,8 @@
         </p:nvSpPr>
         <p:spPr>
           <a:xfrm>
-            <a:off x="839788" y="1267326"/>
-            <a:ext cx="3932237" cy="4601662"/>
+            <a:off x="839788" y="1668266"/>
+            <a:ext cx="3932237" cy="4884934"/>
           </a:xfrm>
         </p:spPr>
         <p:txBody>
@@ -10973,59 +11054,73 @@
           </a:bodyPr>
           <a:lstStyle/>
           <a:p>
-            <a:r>
-              <a:rPr lang="en-US" sz="2400" dirty="0"/>
-              <a:t>In the </a:t>
-            </a:r>
-            <a:r>
-              <a:rPr lang="en-US" sz="2400" dirty="0" smtClean="0"/>
-              <a:t>picture it's </a:t>
-            </a:r>
-            <a:r>
-              <a:rPr lang="en-US" sz="2400" dirty="0"/>
-              <a:t>shown how we have combined the two </a:t>
-            </a:r>
-            <a:r>
-              <a:rPr lang="en-US" sz="2400" dirty="0" smtClean="0"/>
-              <a:t>styles/patterns. On the </a:t>
-            </a:r>
-            <a:r>
-              <a:rPr lang="en-US" sz="2400" dirty="0"/>
-              <a:t>presentation tier we have the view and the controller that invokes </a:t>
-            </a:r>
-            <a:r>
-              <a:rPr lang="en-US" sz="2400" dirty="0" smtClean="0"/>
-              <a:t>methods on </a:t>
-            </a:r>
-            <a:r>
-              <a:rPr lang="en-US" sz="2400" dirty="0"/>
-              <a:t>the model in which there are </a:t>
-            </a:r>
-            <a:r>
-              <a:rPr lang="en-US" sz="2400" dirty="0" smtClean="0"/>
-              <a:t>the two other </a:t>
-            </a:r>
-            <a:r>
-              <a:rPr lang="en-US" sz="2400" dirty="0"/>
-              <a:t>tiers. In particular, a change </a:t>
-            </a:r>
-            <a:r>
-              <a:rPr lang="en-US" sz="2400" dirty="0" smtClean="0"/>
-              <a:t>in the </a:t>
-            </a:r>
-            <a:r>
-              <a:rPr lang="en-US" sz="2400" dirty="0"/>
-              <a:t>model come from the controller to the application tier which then </a:t>
-            </a:r>
-            <a:r>
-              <a:rPr lang="en-US" sz="2400" dirty="0" smtClean="0"/>
-              <a:t>forwards it </a:t>
-            </a:r>
-            <a:r>
-              <a:rPr lang="en-US" sz="2400" dirty="0"/>
-              <a:t>to the data tier.</a:t>
-            </a:r>
-            <a:endParaRPr lang="en-GB" sz="2400" dirty="0"/>
+            <a:pPr marL="0" lvl="1">
+              <a:spcBef>
+                <a:spcPts val="1000"/>
+              </a:spcBef>
+            </a:pPr>
+            <a:r>
+              <a:rPr lang="en-US" sz="1800" b="1" dirty="0" smtClean="0"/>
+              <a:t>Detailed request</a:t>
+            </a:r>
+          </a:p>
+          <a:p>
+            <a:pPr marL="0" lvl="1">
+              <a:spcBef>
+                <a:spcPts val="1000"/>
+              </a:spcBef>
+            </a:pPr>
+            <a:r>
+              <a:rPr lang="en-US" sz="1600" dirty="0" smtClean="0"/>
+              <a:t>After the user click on the Detailed request button, he is shown the detailed </a:t>
+            </a:r>
+            <a:r>
+              <a:rPr lang="en-GB" sz="1600" dirty="0" smtClean="0"/>
+              <a:t>request page.</a:t>
+            </a:r>
+          </a:p>
+          <a:p>
+            <a:pPr marL="0" lvl="1">
+              <a:spcBef>
+                <a:spcPts val="1000"/>
+              </a:spcBef>
+            </a:pPr>
+            <a:r>
+              <a:rPr lang="en-US" sz="1600" dirty="0" smtClean="0"/>
+              <a:t>The </a:t>
+            </a:r>
+            <a:r>
+              <a:rPr lang="en-US" sz="1600" dirty="0"/>
+              <a:t>user must fill the form and click on the Request button. The application will then check if all the fields are filled and if time and date are formally correct. If that's so, the system will wait until 10 minutes before the ride and then begin to allocate a taxi for the </a:t>
+            </a:r>
+            <a:r>
+              <a:rPr lang="en-US" sz="1600" dirty="0" smtClean="0"/>
+              <a:t>request.</a:t>
+            </a:r>
+          </a:p>
+          <a:p>
+            <a:pPr marL="0" lvl="1">
+              <a:spcBef>
+                <a:spcPts val="1000"/>
+              </a:spcBef>
+            </a:pPr>
+            <a:r>
+              <a:rPr lang="en-US" sz="1600" dirty="0" smtClean="0"/>
+              <a:t>The </a:t>
+            </a:r>
+            <a:r>
+              <a:rPr lang="en-US" sz="1600" dirty="0"/>
+              <a:t>following taxi allocation, queue management and notification works as the one in the simple request.</a:t>
+            </a:r>
+            <a:endParaRPr lang="en-GB" sz="1600" b="1" dirty="0"/>
+          </a:p>
+          <a:p>
+            <a:pPr marL="0" lvl="1">
+              <a:spcBef>
+                <a:spcPts val="1000"/>
+              </a:spcBef>
+            </a:pPr>
+            <a:endParaRPr lang="en-GB" sz="1600" dirty="0"/>
           </a:p>
         </p:txBody>
       </p:sp>
@@ -11038,7 +11133,7 @@
         <p:spPr>
           <a:xfrm>
             <a:off x="71718" y="56259"/>
-            <a:ext cx="4610108" cy="523220"/>
+            <a:ext cx="4180119" cy="523220"/>
           </a:xfrm>
           <a:prstGeom prst="rect">
             <a:avLst/>
@@ -11052,8 +11147,8 @@
           <a:lstStyle/>
           <a:p>
             <a:r>
-              <a:rPr lang="en-GB" sz="2800" dirty="0" smtClean="0"/>
-              <a:t>Section 2: Architectural design</a:t>
+              <a:rPr lang="en-GB" sz="2800" dirty="0"/>
+              <a:t>Section 3: Algorithm design</a:t>
             </a:r>
             <a:endParaRPr lang="en-GB" sz="2800" dirty="0"/>
           </a:p>
@@ -11062,7 +11157,7 @@
     </p:spTree>
     <p:extLst>
       <p:ext uri="{BB962C8B-B14F-4D97-AF65-F5344CB8AC3E}">
-        <p14:creationId xmlns:p14="http://schemas.microsoft.com/office/powerpoint/2010/main" val="2697739837"/>
+        <p14:creationId xmlns:p14="http://schemas.microsoft.com/office/powerpoint/2010/main" val="1514066399"/>
       </p:ext>
     </p:extLst>
   </p:cSld>
@@ -11265,8 +11360,71 @@
         </p:nvSpPr>
         <p:spPr>
           <a:xfrm>
-            <a:off x="838200" y="537883"/>
-            <a:ext cx="10515600" cy="887505"/>
+            <a:off x="839788" y="718809"/>
+            <a:ext cx="3932237" cy="810126"/>
+          </a:xfrm>
+        </p:spPr>
+        <p:txBody>
+          <a:bodyPr>
+            <a:noAutofit/>
+          </a:bodyPr>
+          <a:lstStyle/>
+          <a:p>
+            <a:pPr algn="ctr"/>
+            <a:r>
+              <a:rPr lang="en-GB" sz="5400" b="1" dirty="0" smtClean="0"/>
+              <a:t>Runtime view </a:t>
+            </a:r>
+            <a:endParaRPr lang="en-GB" sz="5400" b="1" dirty="0"/>
+          </a:p>
+        </p:txBody>
+      </p:sp>
+      <p:pic>
+        <p:nvPicPr>
+          <p:cNvPr id="4" name="Content Placeholder 3"/>
+          <p:cNvPicPr>
+            <a:picLocks noGrp="1" noChangeAspect="1"/>
+          </p:cNvPicPr>
+          <p:nvPr>
+            <p:ph type="pic" idx="1"/>
+          </p:nvPr>
+        </p:nvPicPr>
+        <p:blipFill>
+          <a:blip r:embed="rId3">
+            <a:extLst>
+              <a:ext uri="{28A0092B-C50C-407E-A947-70E740481C1C}">
+                <a14:useLocalDpi xmlns:a14="http://schemas.microsoft.com/office/drawing/2010/main" val="0"/>
+              </a:ext>
+            </a:extLst>
+          </a:blip>
+          <a:stretch>
+            <a:fillRect/>
+          </a:stretch>
+        </p:blipFill>
+        <p:spPr>
+          <a:xfrm>
+            <a:off x="5773272" y="1433625"/>
+            <a:ext cx="5780895" cy="3981262"/>
+          </a:xfrm>
+          <a:prstGeom prst="rect">
+            <a:avLst/>
+          </a:prstGeom>
+        </p:spPr>
+      </p:pic>
+      <p:sp>
+        <p:nvSpPr>
+          <p:cNvPr id="6" name="Text Placeholder 5"/>
+          <p:cNvSpPr>
+            <a:spLocks noGrp="1"/>
+          </p:cNvSpPr>
+          <p:nvPr>
+            <p:ph type="body" sz="half" idx="2"/>
+          </p:nvPr>
+        </p:nvSpPr>
+        <p:spPr>
+          <a:xfrm>
+            <a:off x="839788" y="1668266"/>
+            <a:ext cx="3932237" cy="4884934"/>
           </a:xfrm>
         </p:spPr>
         <p:txBody>
@@ -11275,133 +11433,31 @@
           </a:bodyPr>
           <a:lstStyle/>
           <a:p>
-            <a:pPr algn="ctr"/>
-            <a:r>
-              <a:rPr lang="en-US" sz="5400" b="1" dirty="0" smtClean="0"/>
-              <a:t>Other design decisions</a:t>
-            </a:r>
-            <a:endParaRPr lang="en-GB" sz="5400" b="1" dirty="0"/>
-          </a:p>
-        </p:txBody>
-      </p:sp>
-      <p:sp>
-        <p:nvSpPr>
-          <p:cNvPr id="3" name="Content Placeholder 2"/>
-          <p:cNvSpPr>
-            <a:spLocks noGrp="1"/>
-          </p:cNvSpPr>
-          <p:nvPr>
-            <p:ph idx="1"/>
-          </p:nvPr>
-        </p:nvSpPr>
-        <p:spPr>
-          <a:xfrm>
-            <a:off x="838200" y="1631576"/>
-            <a:ext cx="10515600" cy="4545387"/>
-          </a:xfrm>
-        </p:spPr>
-        <p:txBody>
-          <a:bodyPr>
-            <a:normAutofit lnSpcReduction="10000"/>
-          </a:bodyPr>
-          <a:lstStyle/>
-          <a:p>
-            <a:r>
-              <a:rPr lang="en-US" dirty="0"/>
-              <a:t>Object oriented software development methods</a:t>
-            </a:r>
-          </a:p>
-          <a:p>
-            <a:pPr lvl="1"/>
-            <a:r>
-              <a:rPr lang="en-GB" dirty="0"/>
-              <a:t> Improved software maintainability</a:t>
-            </a:r>
-          </a:p>
-          <a:p>
-            <a:pPr lvl="1"/>
-            <a:r>
-              <a:rPr lang="en-GB" dirty="0"/>
-              <a:t> Faster development</a:t>
-            </a:r>
-          </a:p>
-          <a:p>
-            <a:pPr lvl="1"/>
-            <a:r>
-              <a:rPr lang="en-GB" dirty="0"/>
-              <a:t> Lower cost development</a:t>
-            </a:r>
-          </a:p>
-          <a:p>
-            <a:pPr lvl="1"/>
-            <a:r>
-              <a:rPr lang="en-GB" dirty="0"/>
-              <a:t> Improved software development productivity</a:t>
-            </a:r>
-          </a:p>
-          <a:p>
-            <a:pPr lvl="1"/>
-            <a:r>
-              <a:rPr lang="en-GB" dirty="0"/>
-              <a:t> Higher quality </a:t>
-            </a:r>
-            <a:r>
-              <a:rPr lang="en-GB" dirty="0" smtClean="0"/>
-              <a:t>software</a:t>
-            </a:r>
-          </a:p>
-          <a:p>
-            <a:r>
-              <a:rPr lang="en-GB" dirty="0"/>
-              <a:t>Three-tier client server architecture</a:t>
-            </a:r>
-          </a:p>
-          <a:p>
-            <a:pPr lvl="1"/>
-            <a:r>
-              <a:rPr lang="en-US" dirty="0" smtClean="0"/>
-              <a:t>As </a:t>
-            </a:r>
-            <a:r>
-              <a:rPr lang="en-US" dirty="0"/>
-              <a:t>more users access the system a three-tier solution is more </a:t>
-            </a:r>
-            <a:r>
-              <a:rPr lang="en-US" dirty="0" smtClean="0"/>
-              <a:t>scalable than </a:t>
-            </a:r>
-            <a:r>
-              <a:rPr lang="en-US" dirty="0"/>
-              <a:t>the other solutions because you can add as many middle </a:t>
-            </a:r>
-            <a:r>
-              <a:rPr lang="en-US" dirty="0" smtClean="0"/>
-              <a:t>tiers as </a:t>
-            </a:r>
-            <a:r>
-              <a:rPr lang="en-US" dirty="0"/>
-              <a:t>needed to ensure good performance.</a:t>
-            </a:r>
-          </a:p>
-          <a:p>
-            <a:pPr lvl="1"/>
-            <a:r>
-              <a:rPr lang="en-US" dirty="0" smtClean="0"/>
-              <a:t>Security </a:t>
-            </a:r>
-            <a:r>
-              <a:rPr lang="en-US" dirty="0"/>
-              <a:t>is also the best in the three-tier architecture because </a:t>
-            </a:r>
-            <a:r>
-              <a:rPr lang="en-US" dirty="0" smtClean="0"/>
-              <a:t>the middle </a:t>
-            </a:r>
-            <a:r>
-              <a:rPr lang="en-US" dirty="0"/>
-              <a:t>layer protects the database tier.</a:t>
-            </a:r>
-            <a:endParaRPr lang="en-GB" b="1" dirty="0" smtClean="0"/>
+            <a:pPr marL="0" lvl="1">
+              <a:spcBef>
+                <a:spcPts val="1000"/>
+              </a:spcBef>
+            </a:pPr>
+            <a:r>
+              <a:rPr lang="en-US" sz="1800" b="1" dirty="0" smtClean="0"/>
+              <a:t>View free taxis</a:t>
+            </a:r>
+          </a:p>
+          <a:p>
+            <a:pPr marL="0" lvl="1">
+              <a:spcBef>
+                <a:spcPts val="1000"/>
+              </a:spcBef>
+            </a:pPr>
+            <a:r>
+              <a:rPr lang="en-US" sz="1600" dirty="0" smtClean="0"/>
+              <a:t>The </a:t>
+            </a:r>
+            <a:r>
+              <a:rPr lang="en-US" sz="1600" dirty="0"/>
+              <a:t>users can look at the number of available taxis in their zone. By clicking on the View available taxis button, the application will query the database about it, and then return the result to a new page.</a:t>
+            </a:r>
+            <a:endParaRPr lang="en-GB" sz="1600" b="1" dirty="0"/>
           </a:p>
         </p:txBody>
       </p:sp>
@@ -11414,7 +11470,7 @@
         <p:spPr>
           <a:xfrm>
             <a:off x="71718" y="56259"/>
-            <a:ext cx="4610108" cy="523220"/>
+            <a:ext cx="4180119" cy="523220"/>
           </a:xfrm>
           <a:prstGeom prst="rect">
             <a:avLst/>
@@ -11428,8 +11484,8 @@
           <a:lstStyle/>
           <a:p>
             <a:r>
-              <a:rPr lang="en-GB" sz="2800" dirty="0" smtClean="0"/>
-              <a:t>Section 2: Architectural design</a:t>
+              <a:rPr lang="en-GB" sz="2800" dirty="0"/>
+              <a:t>Section 3: Algorithm design</a:t>
             </a:r>
             <a:endParaRPr lang="en-GB" sz="2800" dirty="0"/>
           </a:p>
@@ -11438,7 +11494,7 @@
     </p:spTree>
     <p:extLst>
       <p:ext uri="{BB962C8B-B14F-4D97-AF65-F5344CB8AC3E}">
-        <p14:creationId xmlns:p14="http://schemas.microsoft.com/office/powerpoint/2010/main" val="3568359025"/>
+        <p14:creationId xmlns:p14="http://schemas.microsoft.com/office/powerpoint/2010/main" val="2519591968"/>
       </p:ext>
     </p:extLst>
   </p:cSld>
@@ -11484,8 +11540,71 @@
         </p:nvSpPr>
         <p:spPr>
           <a:xfrm>
-            <a:off x="838200" y="537883"/>
-            <a:ext cx="10515600" cy="887505"/>
+            <a:off x="839788" y="718809"/>
+            <a:ext cx="3932237" cy="810126"/>
+          </a:xfrm>
+        </p:spPr>
+        <p:txBody>
+          <a:bodyPr>
+            <a:noAutofit/>
+          </a:bodyPr>
+          <a:lstStyle/>
+          <a:p>
+            <a:pPr algn="ctr"/>
+            <a:r>
+              <a:rPr lang="en-GB" sz="5400" b="1" dirty="0" smtClean="0"/>
+              <a:t>Runtime view </a:t>
+            </a:r>
+            <a:endParaRPr lang="en-GB" sz="5400" b="1" dirty="0"/>
+          </a:p>
+        </p:txBody>
+      </p:sp>
+      <p:pic>
+        <p:nvPicPr>
+          <p:cNvPr id="4" name="Content Placeholder 3"/>
+          <p:cNvPicPr>
+            <a:picLocks noGrp="1" noChangeAspect="1"/>
+          </p:cNvPicPr>
+          <p:nvPr>
+            <p:ph type="pic" idx="1"/>
+          </p:nvPr>
+        </p:nvPicPr>
+        <p:blipFill>
+          <a:blip r:embed="rId3">
+            <a:extLst>
+              <a:ext uri="{28A0092B-C50C-407E-A947-70E740481C1C}">
+                <a14:useLocalDpi xmlns:a14="http://schemas.microsoft.com/office/drawing/2010/main" val="0"/>
+              </a:ext>
+            </a:extLst>
+          </a:blip>
+          <a:stretch>
+            <a:fillRect/>
+          </a:stretch>
+        </p:blipFill>
+        <p:spPr>
+          <a:xfrm>
+            <a:off x="5773272" y="1591209"/>
+            <a:ext cx="5780895" cy="3666095"/>
+          </a:xfrm>
+          <a:prstGeom prst="rect">
+            <a:avLst/>
+          </a:prstGeom>
+        </p:spPr>
+      </p:pic>
+      <p:sp>
+        <p:nvSpPr>
+          <p:cNvPr id="6" name="Text Placeholder 5"/>
+          <p:cNvSpPr>
+            <a:spLocks noGrp="1"/>
+          </p:cNvSpPr>
+          <p:nvPr>
+            <p:ph type="body" sz="half" idx="2"/>
+          </p:nvPr>
+        </p:nvSpPr>
+        <p:spPr>
+          <a:xfrm>
+            <a:off x="839788" y="1668266"/>
+            <a:ext cx="3932237" cy="4884934"/>
           </a:xfrm>
         </p:spPr>
         <p:txBody>
@@ -11494,146 +11613,31 @@
           </a:bodyPr>
           <a:lstStyle/>
           <a:p>
-            <a:pPr algn="ctr"/>
-            <a:r>
-              <a:rPr lang="en-US" sz="5400" b="1" dirty="0" smtClean="0"/>
-              <a:t>Other design decisions</a:t>
-            </a:r>
-            <a:endParaRPr lang="en-GB" sz="5400" b="1" dirty="0"/>
-          </a:p>
-        </p:txBody>
-      </p:sp>
-      <p:sp>
-        <p:nvSpPr>
-          <p:cNvPr id="3" name="Content Placeholder 2"/>
-          <p:cNvSpPr>
-            <a:spLocks noGrp="1"/>
-          </p:cNvSpPr>
-          <p:nvPr>
-            <p:ph idx="1"/>
-          </p:nvPr>
-        </p:nvSpPr>
-        <p:spPr>
-          <a:xfrm>
-            <a:off x="838200" y="1631576"/>
-            <a:ext cx="10515600" cy="4545387"/>
-          </a:xfrm>
-        </p:spPr>
-        <p:txBody>
-          <a:bodyPr>
-            <a:normAutofit/>
-          </a:bodyPr>
-          <a:lstStyle/>
-          <a:p>
-            <a:r>
-              <a:rPr lang="en-GB" dirty="0"/>
-              <a:t>MVC Architectural Pattern</a:t>
-            </a:r>
-          </a:p>
-          <a:p>
-            <a:pPr lvl="1"/>
-            <a:r>
-              <a:rPr lang="en-US" dirty="0" smtClean="0"/>
-              <a:t>It </a:t>
-            </a:r>
-            <a:r>
-              <a:rPr lang="en-US" dirty="0"/>
-              <a:t>should interact with other machines or users </a:t>
-            </a:r>
-            <a:r>
-              <a:rPr lang="en-US" dirty="0" smtClean="0"/>
-              <a:t>effectively</a:t>
-            </a:r>
-            <a:r>
-              <a:rPr lang="en-US" dirty="0"/>
-              <a:t>.</a:t>
-            </a:r>
-          </a:p>
-          <a:p>
-            <a:pPr lvl="1"/>
-            <a:r>
-              <a:rPr lang="en-US" dirty="0" smtClean="0"/>
-              <a:t>For </a:t>
-            </a:r>
-            <a:r>
-              <a:rPr lang="en-US" dirty="0"/>
-              <a:t>more </a:t>
-            </a:r>
-            <a:r>
-              <a:rPr lang="en-US" dirty="0" smtClean="0"/>
-              <a:t>efficient </a:t>
-            </a:r>
-            <a:r>
-              <a:rPr lang="en-US" dirty="0"/>
-              <a:t>interaction, the system should have </a:t>
-            </a:r>
-            <a:r>
-              <a:rPr lang="en-US" dirty="0" smtClean="0"/>
-              <a:t>flexible inter</a:t>
-            </a:r>
-            <a:r>
-              <a:rPr lang="en-GB" dirty="0" smtClean="0"/>
-              <a:t>faces</a:t>
-            </a:r>
-            <a:r>
-              <a:rPr lang="en-GB" dirty="0"/>
-              <a:t>.</a:t>
-            </a:r>
-          </a:p>
-          <a:p>
-            <a:pPr lvl="1"/>
-            <a:r>
-              <a:rPr lang="en-US" dirty="0" smtClean="0"/>
-              <a:t>MVC </a:t>
-            </a:r>
-            <a:r>
-              <a:rPr lang="en-US" dirty="0"/>
-              <a:t>can be taken as for a popular and easy to handle web </a:t>
-            </a:r>
-            <a:r>
-              <a:rPr lang="en-US" dirty="0" smtClean="0"/>
-              <a:t>application </a:t>
-            </a:r>
-            <a:r>
-              <a:rPr lang="en-US" dirty="0"/>
-              <a:t>development style that has the feature of separating </a:t>
-            </a:r>
-            <a:r>
-              <a:rPr lang="en-US" dirty="0" smtClean="0"/>
-              <a:t>the </a:t>
-            </a:r>
-            <a:r>
-              <a:rPr lang="en-GB" dirty="0" smtClean="0"/>
-              <a:t>presentation </a:t>
-            </a:r>
-            <a:r>
-              <a:rPr lang="en-GB" dirty="0"/>
-              <a:t>and intermediate logics.</a:t>
-            </a:r>
-          </a:p>
-          <a:p>
-            <a:pPr lvl="1"/>
-            <a:r>
-              <a:rPr lang="en-US" dirty="0" smtClean="0"/>
-              <a:t>It's </a:t>
-            </a:r>
-            <a:r>
-              <a:rPr lang="en-US" dirty="0"/>
-              <a:t>easy to code and provides well </a:t>
-            </a:r>
-            <a:r>
-              <a:rPr lang="en-US" dirty="0" smtClean="0"/>
-              <a:t>defined </a:t>
-            </a:r>
-            <a:r>
-              <a:rPr lang="en-US" dirty="0"/>
-              <a:t>interfaces within </a:t>
-            </a:r>
-            <a:r>
-              <a:rPr lang="en-US" dirty="0" smtClean="0"/>
-              <a:t>each logic.</a:t>
-            </a:r>
-            <a:endParaRPr lang="en-GB" b="1" dirty="0" smtClean="0"/>
+            <a:pPr marL="0" lvl="1">
+              <a:spcBef>
+                <a:spcPts val="1000"/>
+              </a:spcBef>
+            </a:pPr>
+            <a:r>
+              <a:rPr lang="en-US" sz="1800" b="1" dirty="0" smtClean="0"/>
+              <a:t>Be available</a:t>
+            </a:r>
+          </a:p>
+          <a:p>
+            <a:pPr marL="0" lvl="1">
+              <a:spcBef>
+                <a:spcPts val="1000"/>
+              </a:spcBef>
+            </a:pPr>
+            <a:r>
+              <a:rPr lang="en-US" sz="1600" dirty="0" smtClean="0"/>
+              <a:t>The </a:t>
+            </a:r>
+            <a:r>
+              <a:rPr lang="en-US" sz="1600" dirty="0"/>
+              <a:t>drivers can use the switch on their personal page to toggle their own availability. After the button is switched, the application changes in the database the available field of the driver from false to true or vice versa.</a:t>
+            </a:r>
+            <a:endParaRPr lang="en-GB" sz="1600" b="1" dirty="0"/>
           </a:p>
         </p:txBody>
       </p:sp>
@@ -11646,7 +11650,7 @@
         <p:spPr>
           <a:xfrm>
             <a:off x="71718" y="56259"/>
-            <a:ext cx="4610108" cy="523220"/>
+            <a:ext cx="4180119" cy="523220"/>
           </a:xfrm>
           <a:prstGeom prst="rect">
             <a:avLst/>
@@ -11660,8 +11664,8 @@
           <a:lstStyle/>
           <a:p>
             <a:r>
-              <a:rPr lang="en-GB" sz="2800" dirty="0" smtClean="0"/>
-              <a:t>Section 2: Architectural design</a:t>
+              <a:rPr lang="en-GB" sz="2800" dirty="0"/>
+              <a:t>Section 3: Algorithm design</a:t>
             </a:r>
             <a:endParaRPr lang="en-GB" sz="2800" dirty="0"/>
           </a:p>
@@ -11670,7 +11674,7 @@
     </p:spTree>
     <p:extLst>
       <p:ext uri="{BB962C8B-B14F-4D97-AF65-F5344CB8AC3E}">
-        <p14:creationId xmlns:p14="http://schemas.microsoft.com/office/powerpoint/2010/main" val="4212703422"/>
+        <p14:creationId xmlns:p14="http://schemas.microsoft.com/office/powerpoint/2010/main" val="1743318470"/>
       </p:ext>
     </p:extLst>
   </p:cSld>
@@ -11715,7 +11719,7 @@
           </p:nvPr>
         </p:nvPicPr>
         <p:blipFill>
-          <a:blip r:embed="rId4">
+          <a:blip r:embed="rId3">
             <a:extLst>
               <a:ext uri="{28A0092B-C50C-407E-A947-70E740481C1C}">
                 <a14:useLocalDpi xmlns:a14="http://schemas.microsoft.com/office/drawing/2010/main" val="0"/>
@@ -11883,7 +11887,7 @@
           </p:nvPr>
         </p:nvPicPr>
         <p:blipFill>
-          <a:blip r:embed="rId4">
+          <a:blip r:embed="rId3">
             <a:extLst>
               <a:ext uri="{28A0092B-C50C-407E-A947-70E740481C1C}">
                 <a14:useLocalDpi xmlns:a14="http://schemas.microsoft.com/office/drawing/2010/main" val="0"/>
@@ -11958,7 +11962,6 @@
               <a:rPr lang="en-GB" sz="2400" dirty="0"/>
               <a:t>).</a:t>
             </a:r>
-            <a:endParaRPr lang="en-GB" sz="2400" dirty="0"/>
           </a:p>
         </p:txBody>
       </p:sp>
@@ -12071,7 +12074,7 @@
           </p:nvPr>
         </p:nvPicPr>
         <p:blipFill>
-          <a:blip r:embed="rId4">
+          <a:blip r:embed="rId3">
             <a:extLst>
               <a:ext uri="{28A0092B-C50C-407E-A947-70E740481C1C}">
                 <a14:useLocalDpi xmlns:a14="http://schemas.microsoft.com/office/drawing/2010/main" val="0"/>
@@ -12247,7 +12250,7 @@
           </p:nvPr>
         </p:nvPicPr>
         <p:blipFill>
-          <a:blip r:embed="rId4">
+          <a:blip r:embed="rId3">
             <a:extLst>
               <a:ext uri="{28A0092B-C50C-407E-A947-70E740481C1C}">
                 <a14:useLocalDpi xmlns:a14="http://schemas.microsoft.com/office/drawing/2010/main" val="0"/>
@@ -12419,7 +12422,7 @@
           </p:nvPr>
         </p:nvPicPr>
         <p:blipFill>
-          <a:blip r:embed="rId4">
+          <a:blip r:embed="rId3">
             <a:extLst>
               <a:ext uri="{28A0092B-C50C-407E-A947-70E740481C1C}">
                 <a14:useLocalDpi xmlns:a14="http://schemas.microsoft.com/office/drawing/2010/main" val="0"/>
@@ -12594,7 +12597,7 @@
           </p:nvPr>
         </p:nvPicPr>
         <p:blipFill>
-          <a:blip r:embed="rId4">
+          <a:blip r:embed="rId3">
             <a:extLst>
               <a:ext uri="{28A0092B-C50C-407E-A947-70E740481C1C}">
                 <a14:useLocalDpi xmlns:a14="http://schemas.microsoft.com/office/drawing/2010/main" val="0"/>
@@ -14072,7 +14075,6 @@
               <a:rPr lang="en-GB" dirty="0"/>
               <a:t>whole system.</a:t>
             </a:r>
-            <a:endParaRPr lang="en-GB" dirty="0"/>
           </a:p>
         </p:txBody>
       </p:sp>
